--- a/question_1c.pptx
+++ b/question_1c.pptx
@@ -3650,196 +3650,55 @@
           </p:txBody>
         </p:sp>
       </p:grpSp>
-      <p:grpSp>
-        <p:nvGrpSpPr>
-          <p:cNvPr id="79" name="Group 78">
-            <a:extLst>
-              <a:ext uri="{FF2B5EF4-FFF2-40B4-BE49-F238E27FC236}">
-                <a16:creationId xmlns:a16="http://schemas.microsoft.com/office/drawing/2014/main" id="{8C79ADDA-2D09-FB4E-99EF-F685081CCB15}"/>
-              </a:ext>
-            </a:extLst>
-          </p:cNvPr>
-          <p:cNvGrpSpPr/>
-          <p:nvPr/>
-        </p:nvGrpSpPr>
-        <p:grpSpPr>
-          <a:xfrm>
-            <a:off x="2784872" y="1867829"/>
-            <a:ext cx="6622255" cy="2800351"/>
-            <a:chOff x="2664618" y="1906187"/>
-            <a:chExt cx="6622255" cy="2800351"/>
-          </a:xfrm>
-        </p:grpSpPr>
-        <mc:AlternateContent xmlns:mc="http://schemas.openxmlformats.org/markup-compatibility/2006" xmlns:a14="http://schemas.microsoft.com/office/drawing/2010/main">
-          <mc:Choice Requires="a14">
-            <p:sp>
-              <p:nvSpPr>
-                <p:cNvPr id="7" name="Oval 6">
-                  <a:extLst>
-                    <a:ext uri="{FF2B5EF4-FFF2-40B4-BE49-F238E27FC236}">
-                      <a16:creationId xmlns:a16="http://schemas.microsoft.com/office/drawing/2014/main" id="{285A53A7-A626-D744-8750-8F3D3A1096E5}"/>
-                    </a:ext>
-                  </a:extLst>
-                </p:cNvPr>
-                <p:cNvSpPr/>
-                <p:nvPr/>
-              </p:nvSpPr>
-              <p:spPr>
-                <a:xfrm>
-                  <a:off x="3814762" y="1906188"/>
-                  <a:ext cx="685800" cy="681037"/>
-                </a:xfrm>
-                <a:prstGeom prst="ellipse">
-                  <a:avLst/>
-                </a:prstGeom>
-              </p:spPr>
-              <p:style>
-                <a:lnRef idx="2">
-                  <a:schemeClr val="accent1">
-                    <a:shade val="50000"/>
-                  </a:schemeClr>
-                </a:lnRef>
-                <a:fillRef idx="1">
-                  <a:schemeClr val="accent1"/>
-                </a:fillRef>
-                <a:effectRef idx="0">
-                  <a:schemeClr val="accent1"/>
-                </a:effectRef>
-                <a:fontRef idx="minor">
-                  <a:schemeClr val="lt1"/>
-                </a:fontRef>
-              </p:style>
-              <p:txBody>
-                <a:bodyPr rtlCol="0" anchor="ctr"/>
-                <a:lstStyle/>
-                <a:p>
-                  <a:pPr algn="ctr"/>
-                  <a14:m>
-                    <m:oMathPara xmlns:m="http://schemas.openxmlformats.org/officeDocument/2006/math">
-                      <m:oMathParaPr>
-                        <m:jc m:val="centerGroup"/>
-                      </m:oMathParaPr>
-                      <m:oMath xmlns:m="http://schemas.openxmlformats.org/officeDocument/2006/math">
-                        <m:r>
-                          <a:rPr lang="en-GB" b="0" i="1" smtClean="0">
-                            <a:solidFill>
-                              <a:schemeClr val="tx1"/>
-                            </a:solidFill>
-                            <a:latin typeface="Cambria Math" panose="02040503050406030204" pitchFamily="18" charset="0"/>
-                          </a:rPr>
-                          <m:t>𝑥</m:t>
-                        </m:r>
-                        <m:r>
-                          <a:rPr lang="en-GB" b="0" i="1" baseline="-25000" smtClean="0">
-                            <a:solidFill>
-                              <a:schemeClr val="tx1"/>
-                            </a:solidFill>
-                            <a:latin typeface="Cambria Math" panose="02040503050406030204" pitchFamily="18" charset="0"/>
-                          </a:rPr>
-                          <m:t>1</m:t>
-                        </m:r>
-                      </m:oMath>
-                    </m:oMathPara>
-                  </a14:m>
-                  <a:endParaRPr lang="en-US" baseline="-25000" dirty="0">
-                    <a:solidFill>
-                      <a:schemeClr val="tx1"/>
-                    </a:solidFill>
-                  </a:endParaRPr>
-                </a:p>
-              </p:txBody>
-            </p:sp>
-          </mc:Choice>
-          <mc:Fallback xmlns="">
-            <p:sp>
-              <p:nvSpPr>
-                <p:cNvPr id="7" name="Oval 6">
-                  <a:extLst>
-                    <a:ext uri="{FF2B5EF4-FFF2-40B4-BE49-F238E27FC236}">
-                      <a16:creationId xmlns:a16="http://schemas.microsoft.com/office/drawing/2014/main" id="{285A53A7-A626-D744-8750-8F3D3A1096E5}"/>
-                    </a:ext>
-                  </a:extLst>
-                </p:cNvPr>
-                <p:cNvSpPr>
-                  <a:spLocks noRot="1" noChangeAspect="1" noMove="1" noResize="1" noEditPoints="1" noAdjustHandles="1" noChangeArrowheads="1" noChangeShapeType="1" noTextEdit="1"/>
-                </p:cNvSpPr>
-                <p:nvPr/>
-              </p:nvSpPr>
-              <p:spPr>
-                <a:xfrm>
-                  <a:off x="3814762" y="1906188"/>
-                  <a:ext cx="685800" cy="681037"/>
-                </a:xfrm>
-                <a:prstGeom prst="ellipse">
-                  <a:avLst/>
-                </a:prstGeom>
-                <a:blipFill>
-                  <a:blip r:embed="rId2"/>
-                  <a:stretch>
-                    <a:fillRect/>
-                  </a:stretch>
-                </a:blipFill>
-              </p:spPr>
-              <p:txBody>
-                <a:bodyPr/>
-                <a:lstStyle/>
-                <a:p>
-                  <a:r>
-                    <a:rPr lang="en-US">
-                      <a:noFill/>
-                    </a:rPr>
-                    <a:t> </a:t>
-                  </a:r>
-                </a:p>
-              </p:txBody>
-            </p:sp>
-          </mc:Fallback>
-        </mc:AlternateContent>
-        <mc:AlternateContent xmlns:mc="http://schemas.openxmlformats.org/markup-compatibility/2006" xmlns:a14="http://schemas.microsoft.com/office/drawing/2010/main">
-          <mc:Choice Requires="a14">
-            <p:sp>
-              <p:nvSpPr>
-                <p:cNvPr id="8" name="Oval 7">
-                  <a:extLst>
-                    <a:ext uri="{FF2B5EF4-FFF2-40B4-BE49-F238E27FC236}">
-                      <a16:creationId xmlns:a16="http://schemas.microsoft.com/office/drawing/2014/main" id="{9C9FA218-A478-8847-B3D4-4B0802D7A652}"/>
-                    </a:ext>
-                  </a:extLst>
-                </p:cNvPr>
-                <p:cNvSpPr/>
-                <p:nvPr/>
-              </p:nvSpPr>
-              <p:spPr>
-                <a:xfrm>
-                  <a:off x="3814762" y="2965844"/>
-                  <a:ext cx="685800" cy="681037"/>
-                </a:xfrm>
-                <a:prstGeom prst="ellipse">
-                  <a:avLst/>
-                </a:prstGeom>
-              </p:spPr>
-              <p:style>
-                <a:lnRef idx="2">
-                  <a:schemeClr val="accent1">
-                    <a:shade val="50000"/>
-                  </a:schemeClr>
-                </a:lnRef>
-                <a:fillRef idx="1">
-                  <a:schemeClr val="accent1"/>
-                </a:fillRef>
-                <a:effectRef idx="0">
-                  <a:schemeClr val="accent1"/>
-                </a:effectRef>
-                <a:fontRef idx="minor">
-                  <a:schemeClr val="lt1"/>
-                </a:fontRef>
-              </p:style>
-              <p:txBody>
-                <a:bodyPr rtlCol="0" anchor="ctr"/>
-                <a:lstStyle/>
-                <a:p>
-                  <a:pPr algn="ctr"/>
-                  <a14:m>
+      <mc:AlternateContent xmlns:mc="http://schemas.openxmlformats.org/markup-compatibility/2006">
+        <mc:Choice xmlns:a14="http://schemas.microsoft.com/office/drawing/2010/main" Requires="a14">
+          <p:sp>
+            <p:nvSpPr>
+              <p:cNvPr id="7" name="Oval 6">
+                <a:extLst>
+                  <a:ext uri="{FF2B5EF4-FFF2-40B4-BE49-F238E27FC236}">
+                    <a16:creationId xmlns:a16="http://schemas.microsoft.com/office/drawing/2014/main" id="{285A53A7-A626-D744-8750-8F3D3A1096E5}"/>
+                  </a:ext>
+                </a:extLst>
+              </p:cNvPr>
+              <p:cNvSpPr/>
+              <p:nvPr/>
+            </p:nvSpPr>
+            <p:spPr>
+              <a:xfrm>
+                <a:off x="3935016" y="1867830"/>
+                <a:ext cx="685800" cy="681037"/>
+              </a:xfrm>
+              <a:prstGeom prst="ellipse">
+                <a:avLst/>
+              </a:prstGeom>
+            </p:spPr>
+            <p:style>
+              <a:lnRef idx="2">
+                <a:schemeClr val="accent1">
+                  <a:shade val="50000"/>
+                </a:schemeClr>
+              </a:lnRef>
+              <a:fillRef idx="1">
+                <a:schemeClr val="accent1"/>
+              </a:fillRef>
+              <a:effectRef idx="0">
+                <a:schemeClr val="accent1"/>
+              </a:effectRef>
+              <a:fontRef idx="minor">
+                <a:schemeClr val="lt1"/>
+              </a:fontRef>
+            </p:style>
+            <p:txBody>
+              <a:bodyPr rtlCol="0" anchor="ctr"/>
+              <a:lstStyle/>
+              <a:p>
+                <a:pPr algn="ctr"/>
+                <a14:m>
+                  <m:oMathPara xmlns:m="http://schemas.openxmlformats.org/officeDocument/2006/math">
+                    <m:oMathParaPr>
+                      <m:jc m:val="centerGroup"/>
+                    </m:oMathParaPr>
                     <m:oMath xmlns:m="http://schemas.openxmlformats.org/officeDocument/2006/math">
                       <m:r>
                         <a:rPr lang="en-GB" b="0" i="1" smtClean="0">
@@ -3850,1247 +3709,1244 @@
                         </a:rPr>
                         <m:t>𝑥</m:t>
                       </m:r>
-                    </m:oMath>
-                  </a14:m>
-                  <a:r>
-                    <a:rPr lang="en-US" baseline="-25000" dirty="0">
-                      <a:solidFill>
-                        <a:schemeClr val="tx1"/>
-                      </a:solidFill>
-                    </a:rPr>
-                    <a:t>2</a:t>
-                  </a:r>
-                  <a:endParaRPr lang="en-US" dirty="0">
-                    <a:solidFill>
-                      <a:schemeClr val="tx1"/>
-                    </a:solidFill>
-                  </a:endParaRPr>
-                </a:p>
-              </p:txBody>
-            </p:sp>
-          </mc:Choice>
-          <mc:Fallback xmlns="">
-            <p:sp>
-              <p:nvSpPr>
-                <p:cNvPr id="8" name="Oval 7">
-                  <a:extLst>
-                    <a:ext uri="{FF2B5EF4-FFF2-40B4-BE49-F238E27FC236}">
-                      <a16:creationId xmlns:a16="http://schemas.microsoft.com/office/drawing/2014/main" id="{9C9FA218-A478-8847-B3D4-4B0802D7A652}"/>
-                    </a:ext>
-                  </a:extLst>
-                </p:cNvPr>
-                <p:cNvSpPr>
-                  <a:spLocks noRot="1" noChangeAspect="1" noMove="1" noResize="1" noEditPoints="1" noAdjustHandles="1" noChangeArrowheads="1" noChangeShapeType="1" noTextEdit="1"/>
-                </p:cNvSpPr>
-                <p:nvPr/>
-              </p:nvSpPr>
-              <p:spPr>
-                <a:xfrm>
-                  <a:off x="3814762" y="2965844"/>
-                  <a:ext cx="685800" cy="681037"/>
-                </a:xfrm>
-                <a:prstGeom prst="ellipse">
-                  <a:avLst/>
-                </a:prstGeom>
-                <a:blipFill>
-                  <a:blip r:embed="rId3"/>
-                  <a:stretch>
-                    <a:fillRect/>
-                  </a:stretch>
-                </a:blipFill>
-              </p:spPr>
-              <p:txBody>
-                <a:bodyPr/>
-                <a:lstStyle/>
-                <a:p>
-                  <a:r>
-                    <a:rPr lang="en-US">
-                      <a:noFill/>
-                    </a:rPr>
-                    <a:t> </a:t>
-                  </a:r>
-                </a:p>
-              </p:txBody>
-            </p:sp>
-          </mc:Fallback>
-        </mc:AlternateContent>
-        <mc:AlternateContent xmlns:mc="http://schemas.openxmlformats.org/markup-compatibility/2006" xmlns:a14="http://schemas.microsoft.com/office/drawing/2010/main">
-          <mc:Choice Requires="a14">
-            <p:sp>
-              <p:nvSpPr>
-                <p:cNvPr id="9" name="Oval 8">
-                  <a:extLst>
-                    <a:ext uri="{FF2B5EF4-FFF2-40B4-BE49-F238E27FC236}">
-                      <a16:creationId xmlns:a16="http://schemas.microsoft.com/office/drawing/2014/main" id="{777617E0-AAF7-A648-A0FE-6BBFCCBF6290}"/>
-                    </a:ext>
-                  </a:extLst>
-                </p:cNvPr>
-                <p:cNvSpPr/>
-                <p:nvPr/>
-              </p:nvSpPr>
-              <p:spPr>
-                <a:xfrm>
-                  <a:off x="3814762" y="4025501"/>
-                  <a:ext cx="685800" cy="681037"/>
-                </a:xfrm>
-                <a:prstGeom prst="ellipse">
-                  <a:avLst/>
-                </a:prstGeom>
-              </p:spPr>
-              <p:style>
-                <a:lnRef idx="2">
-                  <a:schemeClr val="accent1">
-                    <a:shade val="50000"/>
-                  </a:schemeClr>
-                </a:lnRef>
-                <a:fillRef idx="1">
-                  <a:schemeClr val="accent1"/>
-                </a:fillRef>
-                <a:effectRef idx="0">
-                  <a:schemeClr val="accent1"/>
-                </a:effectRef>
-                <a:fontRef idx="minor">
-                  <a:schemeClr val="lt1"/>
-                </a:fontRef>
-              </p:style>
-              <p:txBody>
-                <a:bodyPr rtlCol="0" anchor="ctr"/>
-                <a:lstStyle/>
-                <a:p>
-                  <a:pPr algn="ctr"/>
-                  <a14:m>
-                    <m:oMath xmlns:m="http://schemas.openxmlformats.org/officeDocument/2006/math">
                       <m:r>
-                        <a:rPr lang="en-GB" b="0" i="1" smtClean="0">
+                        <a:rPr lang="en-GB" b="0" i="1" baseline="-25000" smtClean="0">
                           <a:solidFill>
                             <a:schemeClr val="tx1"/>
                           </a:solidFill>
                           <a:latin typeface="Cambria Math" panose="02040503050406030204" pitchFamily="18" charset="0"/>
                         </a:rPr>
-                        <m:t>𝑥</m:t>
+                        <m:t>1</m:t>
                       </m:r>
                     </m:oMath>
-                  </a14:m>
-                  <a:r>
-                    <a:rPr lang="en-US" baseline="-25000" dirty="0">
-                      <a:solidFill>
-                        <a:schemeClr val="tx1"/>
-                      </a:solidFill>
-                    </a:rPr>
-                    <a:t>3</a:t>
-                  </a:r>
-                  <a:endParaRPr lang="en-US" dirty="0">
+                  </m:oMathPara>
+                </a14:m>
+                <a:endParaRPr lang="en-US" baseline="-25000" dirty="0">
+                  <a:solidFill>
+                    <a:schemeClr val="tx1"/>
+                  </a:solidFill>
+                </a:endParaRPr>
+              </a:p>
+            </p:txBody>
+          </p:sp>
+        </mc:Choice>
+        <mc:Fallback>
+          <p:sp>
+            <p:nvSpPr>
+              <p:cNvPr id="7" name="Oval 6">
+                <a:extLst>
+                  <a:ext uri="{FF2B5EF4-FFF2-40B4-BE49-F238E27FC236}">
+                    <a16:creationId xmlns:a16="http://schemas.microsoft.com/office/drawing/2014/main" id="{285A53A7-A626-D744-8750-8F3D3A1096E5}"/>
+                  </a:ext>
+                </a:extLst>
+              </p:cNvPr>
+              <p:cNvSpPr>
+                <a:spLocks noRot="1" noChangeAspect="1" noMove="1" noResize="1" noEditPoints="1" noAdjustHandles="1" noChangeArrowheads="1" noChangeShapeType="1" noTextEdit="1"/>
+              </p:cNvSpPr>
+              <p:nvPr/>
+            </p:nvSpPr>
+            <p:spPr>
+              <a:xfrm>
+                <a:off x="3935016" y="1867830"/>
+                <a:ext cx="685800" cy="681037"/>
+              </a:xfrm>
+              <a:prstGeom prst="ellipse">
+                <a:avLst/>
+              </a:prstGeom>
+              <a:blipFill>
+                <a:blip r:embed="rId2"/>
+                <a:stretch>
+                  <a:fillRect/>
+                </a:stretch>
+              </a:blipFill>
+            </p:spPr>
+            <p:txBody>
+              <a:bodyPr/>
+              <a:lstStyle/>
+              <a:p>
+                <a:r>
+                  <a:rPr lang="en-US">
+                    <a:noFill/>
+                  </a:rPr>
+                  <a:t> </a:t>
+                </a:r>
+              </a:p>
+            </p:txBody>
+          </p:sp>
+        </mc:Fallback>
+      </mc:AlternateContent>
+      <mc:AlternateContent xmlns:mc="http://schemas.openxmlformats.org/markup-compatibility/2006">
+        <mc:Choice xmlns:a14="http://schemas.microsoft.com/office/drawing/2010/main" Requires="a14">
+          <p:sp>
+            <p:nvSpPr>
+              <p:cNvPr id="8" name="Oval 7">
+                <a:extLst>
+                  <a:ext uri="{FF2B5EF4-FFF2-40B4-BE49-F238E27FC236}">
+                    <a16:creationId xmlns:a16="http://schemas.microsoft.com/office/drawing/2014/main" id="{9C9FA218-A478-8847-B3D4-4B0802D7A652}"/>
+                  </a:ext>
+                </a:extLst>
+              </p:cNvPr>
+              <p:cNvSpPr/>
+              <p:nvPr/>
+            </p:nvSpPr>
+            <p:spPr>
+              <a:xfrm>
+                <a:off x="3935016" y="2927486"/>
+                <a:ext cx="685800" cy="681037"/>
+              </a:xfrm>
+              <a:prstGeom prst="ellipse">
+                <a:avLst/>
+              </a:prstGeom>
+            </p:spPr>
+            <p:style>
+              <a:lnRef idx="2">
+                <a:schemeClr val="accent1">
+                  <a:shade val="50000"/>
+                </a:schemeClr>
+              </a:lnRef>
+              <a:fillRef idx="1">
+                <a:schemeClr val="accent1"/>
+              </a:fillRef>
+              <a:effectRef idx="0">
+                <a:schemeClr val="accent1"/>
+              </a:effectRef>
+              <a:fontRef idx="minor">
+                <a:schemeClr val="lt1"/>
+              </a:fontRef>
+            </p:style>
+            <p:txBody>
+              <a:bodyPr rtlCol="0" anchor="ctr"/>
+              <a:lstStyle/>
+              <a:p>
+                <a:pPr algn="ctr"/>
+                <a14:m>
+                  <m:oMath xmlns:m="http://schemas.openxmlformats.org/officeDocument/2006/math">
+                    <m:r>
+                      <a:rPr lang="en-GB" b="0" i="1" smtClean="0">
+                        <a:solidFill>
+                          <a:schemeClr val="tx1"/>
+                        </a:solidFill>
+                        <a:latin typeface="Cambria Math" panose="02040503050406030204" pitchFamily="18" charset="0"/>
+                      </a:rPr>
+                      <m:t>𝑥</m:t>
+                    </m:r>
+                  </m:oMath>
+                </a14:m>
+                <a:r>
+                  <a:rPr lang="en-US" baseline="-25000" dirty="0">
                     <a:solidFill>
                       <a:schemeClr val="tx1"/>
                     </a:solidFill>
-                  </a:endParaRPr>
-                </a:p>
-              </p:txBody>
-            </p:sp>
-          </mc:Choice>
-          <mc:Fallback xmlns="">
-            <p:sp>
-              <p:nvSpPr>
-                <p:cNvPr id="9" name="Oval 8">
-                  <a:extLst>
-                    <a:ext uri="{FF2B5EF4-FFF2-40B4-BE49-F238E27FC236}">
-                      <a16:creationId xmlns:a16="http://schemas.microsoft.com/office/drawing/2014/main" id="{777617E0-AAF7-A648-A0FE-6BBFCCBF6290}"/>
-                    </a:ext>
-                  </a:extLst>
-                </p:cNvPr>
-                <p:cNvSpPr>
-                  <a:spLocks noRot="1" noChangeAspect="1" noMove="1" noResize="1" noEditPoints="1" noAdjustHandles="1" noChangeArrowheads="1" noChangeShapeType="1" noTextEdit="1"/>
-                </p:cNvSpPr>
-                <p:nvPr/>
-              </p:nvSpPr>
-              <p:spPr>
-                <a:xfrm>
-                  <a:off x="3814762" y="4025501"/>
-                  <a:ext cx="685800" cy="681037"/>
-                </a:xfrm>
-                <a:prstGeom prst="ellipse">
-                  <a:avLst/>
-                </a:prstGeom>
-                <a:blipFill>
-                  <a:blip r:embed="rId4"/>
-                  <a:stretch>
-                    <a:fillRect/>
-                  </a:stretch>
-                </a:blipFill>
-              </p:spPr>
-              <p:txBody>
-                <a:bodyPr/>
-                <a:lstStyle/>
-                <a:p>
-                  <a:r>
-                    <a:rPr lang="en-US">
-                      <a:noFill/>
-                    </a:rPr>
-                    <a:t> </a:t>
-                  </a:r>
-                </a:p>
-              </p:txBody>
-            </p:sp>
-          </mc:Fallback>
-        </mc:AlternateContent>
-        <mc:AlternateContent xmlns:mc="http://schemas.openxmlformats.org/markup-compatibility/2006" xmlns:a14="http://schemas.microsoft.com/office/drawing/2010/main">
-          <mc:Choice Requires="a14">
-            <p:sp>
-              <p:nvSpPr>
-                <p:cNvPr id="10" name="Oval 9">
-                  <a:extLst>
-                    <a:ext uri="{FF2B5EF4-FFF2-40B4-BE49-F238E27FC236}">
-                      <a16:creationId xmlns:a16="http://schemas.microsoft.com/office/drawing/2014/main" id="{04315299-3AFE-944D-B6F0-E0DDD4AFAE1B}"/>
-                    </a:ext>
-                  </a:extLst>
-                </p:cNvPr>
-                <p:cNvSpPr/>
-                <p:nvPr/>
-              </p:nvSpPr>
-              <p:spPr>
-                <a:xfrm>
-                  <a:off x="5638799" y="1906187"/>
-                  <a:ext cx="685800" cy="681037"/>
-                </a:xfrm>
-                <a:prstGeom prst="ellipse">
-                  <a:avLst/>
-                </a:prstGeom>
-                <a:solidFill>
-                  <a:srgbClr val="FFC000"/>
-                </a:solidFill>
-              </p:spPr>
-              <p:style>
-                <a:lnRef idx="2">
-                  <a:schemeClr val="accent1">
-                    <a:shade val="50000"/>
-                  </a:schemeClr>
-                </a:lnRef>
-                <a:fillRef idx="1">
-                  <a:schemeClr val="accent1"/>
-                </a:fillRef>
-                <a:effectRef idx="0">
-                  <a:schemeClr val="accent1"/>
-                </a:effectRef>
-                <a:fontRef idx="minor">
-                  <a:schemeClr val="lt1"/>
-                </a:fontRef>
-              </p:style>
-              <p:txBody>
-                <a:bodyPr rtlCol="0" anchor="ctr"/>
-                <a:lstStyle/>
-                <a:p>
-                  <a:pPr algn="ctr"/>
-                  <a14:m>
-                    <m:oMath xmlns:m="http://schemas.openxmlformats.org/officeDocument/2006/math">
-                      <m:r>
-                        <a:rPr lang="en-GB" b="0" i="1" smtClean="0">
-                          <a:solidFill>
-                            <a:schemeClr val="tx1"/>
-                          </a:solidFill>
-                          <a:latin typeface="Cambria Math" panose="02040503050406030204" pitchFamily="18" charset="0"/>
-                        </a:rPr>
-                        <m:t>𝑎</m:t>
-                      </m:r>
-                    </m:oMath>
-                  </a14:m>
-                  <a:r>
-                    <a:rPr lang="en-US" baseline="-25000" dirty="0">
-                      <a:solidFill>
-                        <a:schemeClr val="tx1"/>
-                      </a:solidFill>
-                    </a:rPr>
-                    <a:t>1</a:t>
-                  </a:r>
-                  <a:endParaRPr lang="en-US" dirty="0">
+                  </a:rPr>
+                  <a:t>2</a:t>
+                </a:r>
+                <a:endParaRPr lang="en-US" dirty="0">
+                  <a:solidFill>
+                    <a:schemeClr val="tx1"/>
+                  </a:solidFill>
+                </a:endParaRPr>
+              </a:p>
+            </p:txBody>
+          </p:sp>
+        </mc:Choice>
+        <mc:Fallback>
+          <p:sp>
+            <p:nvSpPr>
+              <p:cNvPr id="8" name="Oval 7">
+                <a:extLst>
+                  <a:ext uri="{FF2B5EF4-FFF2-40B4-BE49-F238E27FC236}">
+                    <a16:creationId xmlns:a16="http://schemas.microsoft.com/office/drawing/2014/main" id="{9C9FA218-A478-8847-B3D4-4B0802D7A652}"/>
+                  </a:ext>
+                </a:extLst>
+              </p:cNvPr>
+              <p:cNvSpPr>
+                <a:spLocks noRot="1" noChangeAspect="1" noMove="1" noResize="1" noEditPoints="1" noAdjustHandles="1" noChangeArrowheads="1" noChangeShapeType="1" noTextEdit="1"/>
+              </p:cNvSpPr>
+              <p:nvPr/>
+            </p:nvSpPr>
+            <p:spPr>
+              <a:xfrm>
+                <a:off x="3935016" y="2927486"/>
+                <a:ext cx="685800" cy="681037"/>
+              </a:xfrm>
+              <a:prstGeom prst="ellipse">
+                <a:avLst/>
+              </a:prstGeom>
+              <a:blipFill>
+                <a:blip r:embed="rId3"/>
+                <a:stretch>
+                  <a:fillRect/>
+                </a:stretch>
+              </a:blipFill>
+            </p:spPr>
+            <p:txBody>
+              <a:bodyPr/>
+              <a:lstStyle/>
+              <a:p>
+                <a:r>
+                  <a:rPr lang="en-US">
+                    <a:noFill/>
+                  </a:rPr>
+                  <a:t> </a:t>
+                </a:r>
+              </a:p>
+            </p:txBody>
+          </p:sp>
+        </mc:Fallback>
+      </mc:AlternateContent>
+      <mc:AlternateContent xmlns:mc="http://schemas.openxmlformats.org/markup-compatibility/2006">
+        <mc:Choice xmlns:a14="http://schemas.microsoft.com/office/drawing/2010/main" Requires="a14">
+          <p:sp>
+            <p:nvSpPr>
+              <p:cNvPr id="9" name="Oval 8">
+                <a:extLst>
+                  <a:ext uri="{FF2B5EF4-FFF2-40B4-BE49-F238E27FC236}">
+                    <a16:creationId xmlns:a16="http://schemas.microsoft.com/office/drawing/2014/main" id="{777617E0-AAF7-A648-A0FE-6BBFCCBF6290}"/>
+                  </a:ext>
+                </a:extLst>
+              </p:cNvPr>
+              <p:cNvSpPr/>
+              <p:nvPr/>
+            </p:nvSpPr>
+            <p:spPr>
+              <a:xfrm>
+                <a:off x="3935016" y="3987143"/>
+                <a:ext cx="685800" cy="681037"/>
+              </a:xfrm>
+              <a:prstGeom prst="ellipse">
+                <a:avLst/>
+              </a:prstGeom>
+            </p:spPr>
+            <p:style>
+              <a:lnRef idx="2">
+                <a:schemeClr val="accent1">
+                  <a:shade val="50000"/>
+                </a:schemeClr>
+              </a:lnRef>
+              <a:fillRef idx="1">
+                <a:schemeClr val="accent1"/>
+              </a:fillRef>
+              <a:effectRef idx="0">
+                <a:schemeClr val="accent1"/>
+              </a:effectRef>
+              <a:fontRef idx="minor">
+                <a:schemeClr val="lt1"/>
+              </a:fontRef>
+            </p:style>
+            <p:txBody>
+              <a:bodyPr rtlCol="0" anchor="ctr"/>
+              <a:lstStyle/>
+              <a:p>
+                <a:pPr algn="ctr"/>
+                <a14:m>
+                  <m:oMath xmlns:m="http://schemas.openxmlformats.org/officeDocument/2006/math">
+                    <m:r>
+                      <a:rPr lang="en-GB" b="0" i="1" smtClean="0">
+                        <a:solidFill>
+                          <a:schemeClr val="tx1"/>
+                        </a:solidFill>
+                        <a:latin typeface="Cambria Math" panose="02040503050406030204" pitchFamily="18" charset="0"/>
+                      </a:rPr>
+                      <m:t>𝑥</m:t>
+                    </m:r>
+                  </m:oMath>
+                </a14:m>
+                <a:r>
+                  <a:rPr lang="en-US" baseline="-25000" dirty="0">
                     <a:solidFill>
                       <a:schemeClr val="tx1"/>
                     </a:solidFill>
-                  </a:endParaRPr>
-                </a:p>
-              </p:txBody>
-            </p:sp>
-          </mc:Choice>
-          <mc:Fallback xmlns="">
-            <p:sp>
-              <p:nvSpPr>
-                <p:cNvPr id="10" name="Oval 9">
-                  <a:extLst>
-                    <a:ext uri="{FF2B5EF4-FFF2-40B4-BE49-F238E27FC236}">
-                      <a16:creationId xmlns:a16="http://schemas.microsoft.com/office/drawing/2014/main" id="{04315299-3AFE-944D-B6F0-E0DDD4AFAE1B}"/>
-                    </a:ext>
-                  </a:extLst>
-                </p:cNvPr>
-                <p:cNvSpPr>
-                  <a:spLocks noRot="1" noChangeAspect="1" noMove="1" noResize="1" noEditPoints="1" noAdjustHandles="1" noChangeArrowheads="1" noChangeShapeType="1" noTextEdit="1"/>
-                </p:cNvSpPr>
-                <p:nvPr/>
-              </p:nvSpPr>
-              <p:spPr>
-                <a:xfrm>
-                  <a:off x="5638799" y="1906187"/>
-                  <a:ext cx="685800" cy="681037"/>
-                </a:xfrm>
-                <a:prstGeom prst="ellipse">
-                  <a:avLst/>
-                </a:prstGeom>
-                <a:blipFill>
-                  <a:blip r:embed="rId5"/>
-                  <a:stretch>
-                    <a:fillRect/>
-                  </a:stretch>
-                </a:blipFill>
-              </p:spPr>
-              <p:txBody>
-                <a:bodyPr/>
-                <a:lstStyle/>
-                <a:p>
-                  <a:r>
-                    <a:rPr lang="en-US">
-                      <a:noFill/>
-                    </a:rPr>
-                    <a:t> </a:t>
-                  </a:r>
-                </a:p>
-              </p:txBody>
-            </p:sp>
-          </mc:Fallback>
-        </mc:AlternateContent>
-        <mc:AlternateContent xmlns:mc="http://schemas.openxmlformats.org/markup-compatibility/2006" xmlns:a14="http://schemas.microsoft.com/office/drawing/2010/main">
-          <mc:Choice Requires="a14">
-            <p:sp>
-              <p:nvSpPr>
-                <p:cNvPr id="11" name="Oval 10">
-                  <a:extLst>
-                    <a:ext uri="{FF2B5EF4-FFF2-40B4-BE49-F238E27FC236}">
-                      <a16:creationId xmlns:a16="http://schemas.microsoft.com/office/drawing/2014/main" id="{E9154502-B593-6F4B-A56E-0DABE3B205D3}"/>
-                    </a:ext>
-                  </a:extLst>
-                </p:cNvPr>
-                <p:cNvSpPr/>
-                <p:nvPr/>
-              </p:nvSpPr>
-              <p:spPr>
-                <a:xfrm>
-                  <a:off x="5638799" y="2965844"/>
-                  <a:ext cx="685800" cy="681037"/>
-                </a:xfrm>
-                <a:prstGeom prst="ellipse">
-                  <a:avLst/>
-                </a:prstGeom>
-                <a:solidFill>
-                  <a:srgbClr val="FFC000"/>
-                </a:solidFill>
-              </p:spPr>
-              <p:style>
-                <a:lnRef idx="2">
-                  <a:schemeClr val="accent1">
-                    <a:shade val="50000"/>
-                  </a:schemeClr>
-                </a:lnRef>
-                <a:fillRef idx="1">
-                  <a:schemeClr val="accent1"/>
-                </a:fillRef>
-                <a:effectRef idx="0">
-                  <a:schemeClr val="accent1"/>
-                </a:effectRef>
-                <a:fontRef idx="minor">
-                  <a:schemeClr val="lt1"/>
-                </a:fontRef>
-              </p:style>
-              <p:txBody>
-                <a:bodyPr rtlCol="0" anchor="ctr"/>
-                <a:lstStyle/>
-                <a:p>
-                  <a:pPr algn="ctr"/>
-                  <a14:m>
-                    <m:oMath xmlns:m="http://schemas.openxmlformats.org/officeDocument/2006/math">
-                      <m:r>
-                        <a:rPr lang="en-GB" b="0" i="1" smtClean="0">
-                          <a:solidFill>
-                            <a:schemeClr val="tx1"/>
-                          </a:solidFill>
-                          <a:latin typeface="Cambria Math" panose="02040503050406030204" pitchFamily="18" charset="0"/>
-                        </a:rPr>
-                        <m:t>𝑎</m:t>
-                      </m:r>
-                    </m:oMath>
-                  </a14:m>
-                  <a:r>
-                    <a:rPr lang="en-US" baseline="-25000" dirty="0">
-                      <a:solidFill>
-                        <a:schemeClr val="tx1"/>
-                      </a:solidFill>
-                    </a:rPr>
-                    <a:t>2</a:t>
-                  </a:r>
-                  <a:endParaRPr lang="en-US" dirty="0">
+                  </a:rPr>
+                  <a:t>3</a:t>
+                </a:r>
+                <a:endParaRPr lang="en-US" dirty="0">
+                  <a:solidFill>
+                    <a:schemeClr val="tx1"/>
+                  </a:solidFill>
+                </a:endParaRPr>
+              </a:p>
+            </p:txBody>
+          </p:sp>
+        </mc:Choice>
+        <mc:Fallback>
+          <p:sp>
+            <p:nvSpPr>
+              <p:cNvPr id="9" name="Oval 8">
+                <a:extLst>
+                  <a:ext uri="{FF2B5EF4-FFF2-40B4-BE49-F238E27FC236}">
+                    <a16:creationId xmlns:a16="http://schemas.microsoft.com/office/drawing/2014/main" id="{777617E0-AAF7-A648-A0FE-6BBFCCBF6290}"/>
+                  </a:ext>
+                </a:extLst>
+              </p:cNvPr>
+              <p:cNvSpPr>
+                <a:spLocks noRot="1" noChangeAspect="1" noMove="1" noResize="1" noEditPoints="1" noAdjustHandles="1" noChangeArrowheads="1" noChangeShapeType="1" noTextEdit="1"/>
+              </p:cNvSpPr>
+              <p:nvPr/>
+            </p:nvSpPr>
+            <p:spPr>
+              <a:xfrm>
+                <a:off x="3935016" y="3987143"/>
+                <a:ext cx="685800" cy="681037"/>
+              </a:xfrm>
+              <a:prstGeom prst="ellipse">
+                <a:avLst/>
+              </a:prstGeom>
+              <a:blipFill>
+                <a:blip r:embed="rId4"/>
+                <a:stretch>
+                  <a:fillRect/>
+                </a:stretch>
+              </a:blipFill>
+            </p:spPr>
+            <p:txBody>
+              <a:bodyPr/>
+              <a:lstStyle/>
+              <a:p>
+                <a:r>
+                  <a:rPr lang="en-US">
+                    <a:noFill/>
+                  </a:rPr>
+                  <a:t> </a:t>
+                </a:r>
+              </a:p>
+            </p:txBody>
+          </p:sp>
+        </mc:Fallback>
+      </mc:AlternateContent>
+      <mc:AlternateContent xmlns:mc="http://schemas.openxmlformats.org/markup-compatibility/2006">
+        <mc:Choice xmlns:a14="http://schemas.microsoft.com/office/drawing/2010/main" Requires="a14">
+          <p:sp>
+            <p:nvSpPr>
+              <p:cNvPr id="10" name="Oval 9">
+                <a:extLst>
+                  <a:ext uri="{FF2B5EF4-FFF2-40B4-BE49-F238E27FC236}">
+                    <a16:creationId xmlns:a16="http://schemas.microsoft.com/office/drawing/2014/main" id="{04315299-3AFE-944D-B6F0-E0DDD4AFAE1B}"/>
+                  </a:ext>
+                </a:extLst>
+              </p:cNvPr>
+              <p:cNvSpPr/>
+              <p:nvPr/>
+            </p:nvSpPr>
+            <p:spPr>
+              <a:xfrm>
+                <a:off x="5759053" y="1867829"/>
+                <a:ext cx="685800" cy="681037"/>
+              </a:xfrm>
+              <a:prstGeom prst="ellipse">
+                <a:avLst/>
+              </a:prstGeom>
+              <a:solidFill>
+                <a:srgbClr val="FFC000"/>
+              </a:solidFill>
+            </p:spPr>
+            <p:style>
+              <a:lnRef idx="2">
+                <a:schemeClr val="accent1">
+                  <a:shade val="50000"/>
+                </a:schemeClr>
+              </a:lnRef>
+              <a:fillRef idx="1">
+                <a:schemeClr val="accent1"/>
+              </a:fillRef>
+              <a:effectRef idx="0">
+                <a:schemeClr val="accent1"/>
+              </a:effectRef>
+              <a:fontRef idx="minor">
+                <a:schemeClr val="lt1"/>
+              </a:fontRef>
+            </p:style>
+            <p:txBody>
+              <a:bodyPr rtlCol="0" anchor="ctr"/>
+              <a:lstStyle/>
+              <a:p>
+                <a:pPr algn="ctr"/>
+                <a14:m>
+                  <m:oMath xmlns:m="http://schemas.openxmlformats.org/officeDocument/2006/math">
+                    <m:r>
+                      <a:rPr lang="en-GB" b="0" i="1" smtClean="0">
+                        <a:solidFill>
+                          <a:schemeClr val="tx1"/>
+                        </a:solidFill>
+                        <a:latin typeface="Cambria Math" panose="02040503050406030204" pitchFamily="18" charset="0"/>
+                      </a:rPr>
+                      <m:t>𝑎</m:t>
+                    </m:r>
+                  </m:oMath>
+                </a14:m>
+                <a:r>
+                  <a:rPr lang="en-US" baseline="-25000" dirty="0">
                     <a:solidFill>
                       <a:schemeClr val="tx1"/>
                     </a:solidFill>
-                  </a:endParaRPr>
-                </a:p>
-              </p:txBody>
-            </p:sp>
-          </mc:Choice>
-          <mc:Fallback xmlns="">
-            <p:sp>
-              <p:nvSpPr>
-                <p:cNvPr id="11" name="Oval 10">
-                  <a:extLst>
-                    <a:ext uri="{FF2B5EF4-FFF2-40B4-BE49-F238E27FC236}">
-                      <a16:creationId xmlns:a16="http://schemas.microsoft.com/office/drawing/2014/main" id="{E9154502-B593-6F4B-A56E-0DABE3B205D3}"/>
-                    </a:ext>
-                  </a:extLst>
-                </p:cNvPr>
-                <p:cNvSpPr>
-                  <a:spLocks noRot="1" noChangeAspect="1" noMove="1" noResize="1" noEditPoints="1" noAdjustHandles="1" noChangeArrowheads="1" noChangeShapeType="1" noTextEdit="1"/>
-                </p:cNvSpPr>
-                <p:nvPr/>
-              </p:nvSpPr>
-              <p:spPr>
-                <a:xfrm>
-                  <a:off x="5638799" y="2965844"/>
-                  <a:ext cx="685800" cy="681037"/>
-                </a:xfrm>
-                <a:prstGeom prst="ellipse">
-                  <a:avLst/>
-                </a:prstGeom>
-                <a:blipFill>
-                  <a:blip r:embed="rId6"/>
-                  <a:stretch>
-                    <a:fillRect/>
-                  </a:stretch>
-                </a:blipFill>
-              </p:spPr>
-              <p:txBody>
-                <a:bodyPr/>
-                <a:lstStyle/>
-                <a:p>
-                  <a:r>
-                    <a:rPr lang="en-US">
-                      <a:noFill/>
-                    </a:rPr>
-                    <a:t> </a:t>
-                  </a:r>
-                </a:p>
-              </p:txBody>
-            </p:sp>
-          </mc:Fallback>
-        </mc:AlternateContent>
-        <mc:AlternateContent xmlns:mc="http://schemas.openxmlformats.org/markup-compatibility/2006" xmlns:a14="http://schemas.microsoft.com/office/drawing/2010/main">
-          <mc:Choice Requires="a14">
-            <p:sp>
-              <p:nvSpPr>
-                <p:cNvPr id="12" name="Oval 11">
-                  <a:extLst>
-                    <a:ext uri="{FF2B5EF4-FFF2-40B4-BE49-F238E27FC236}">
-                      <a16:creationId xmlns:a16="http://schemas.microsoft.com/office/drawing/2014/main" id="{BDC249AB-196B-F944-860B-E1B45E118853}"/>
-                    </a:ext>
-                  </a:extLst>
-                </p:cNvPr>
-                <p:cNvSpPr/>
-                <p:nvPr/>
-              </p:nvSpPr>
-              <p:spPr>
-                <a:xfrm>
-                  <a:off x="5638799" y="4025500"/>
-                  <a:ext cx="685800" cy="681037"/>
-                </a:xfrm>
-                <a:prstGeom prst="ellipse">
-                  <a:avLst/>
-                </a:prstGeom>
-                <a:solidFill>
-                  <a:srgbClr val="FFC000"/>
-                </a:solidFill>
-              </p:spPr>
-              <p:style>
-                <a:lnRef idx="2">
-                  <a:schemeClr val="accent1">
-                    <a:shade val="50000"/>
-                  </a:schemeClr>
-                </a:lnRef>
-                <a:fillRef idx="1">
-                  <a:schemeClr val="accent1"/>
-                </a:fillRef>
-                <a:effectRef idx="0">
-                  <a:schemeClr val="accent1"/>
-                </a:effectRef>
-                <a:fontRef idx="minor">
-                  <a:schemeClr val="lt1"/>
-                </a:fontRef>
-              </p:style>
-              <p:txBody>
-                <a:bodyPr rtlCol="0" anchor="ctr"/>
-                <a:lstStyle/>
-                <a:p>
-                  <a:pPr algn="ctr"/>
-                  <a14:m>
-                    <m:oMath xmlns:m="http://schemas.openxmlformats.org/officeDocument/2006/math">
-                      <m:r>
-                        <a:rPr lang="en-GB" b="0" i="1" smtClean="0">
-                          <a:solidFill>
-                            <a:schemeClr val="tx1"/>
-                          </a:solidFill>
-                          <a:latin typeface="Cambria Math" panose="02040503050406030204" pitchFamily="18" charset="0"/>
-                        </a:rPr>
-                        <m:t>𝑎</m:t>
-                      </m:r>
-                    </m:oMath>
-                  </a14:m>
-                  <a:r>
-                    <a:rPr lang="en-US" baseline="-25000" dirty="0">
-                      <a:solidFill>
-                        <a:schemeClr val="tx1"/>
-                      </a:solidFill>
-                    </a:rPr>
-                    <a:t>3</a:t>
-                  </a:r>
-                  <a:endParaRPr lang="en-US" dirty="0">
+                  </a:rPr>
+                  <a:t>1</a:t>
+                </a:r>
+                <a:endParaRPr lang="en-US" dirty="0">
+                  <a:solidFill>
+                    <a:schemeClr val="tx1"/>
+                  </a:solidFill>
+                </a:endParaRPr>
+              </a:p>
+            </p:txBody>
+          </p:sp>
+        </mc:Choice>
+        <mc:Fallback>
+          <p:sp>
+            <p:nvSpPr>
+              <p:cNvPr id="10" name="Oval 9">
+                <a:extLst>
+                  <a:ext uri="{FF2B5EF4-FFF2-40B4-BE49-F238E27FC236}">
+                    <a16:creationId xmlns:a16="http://schemas.microsoft.com/office/drawing/2014/main" id="{04315299-3AFE-944D-B6F0-E0DDD4AFAE1B}"/>
+                  </a:ext>
+                </a:extLst>
+              </p:cNvPr>
+              <p:cNvSpPr>
+                <a:spLocks noRot="1" noChangeAspect="1" noMove="1" noResize="1" noEditPoints="1" noAdjustHandles="1" noChangeArrowheads="1" noChangeShapeType="1" noTextEdit="1"/>
+              </p:cNvSpPr>
+              <p:nvPr/>
+            </p:nvSpPr>
+            <p:spPr>
+              <a:xfrm>
+                <a:off x="5759053" y="1867829"/>
+                <a:ext cx="685800" cy="681037"/>
+              </a:xfrm>
+              <a:prstGeom prst="ellipse">
+                <a:avLst/>
+              </a:prstGeom>
+              <a:blipFill>
+                <a:blip r:embed="rId5"/>
+                <a:stretch>
+                  <a:fillRect/>
+                </a:stretch>
+              </a:blipFill>
+            </p:spPr>
+            <p:txBody>
+              <a:bodyPr/>
+              <a:lstStyle/>
+              <a:p>
+                <a:r>
+                  <a:rPr lang="en-US">
+                    <a:noFill/>
+                  </a:rPr>
+                  <a:t> </a:t>
+                </a:r>
+              </a:p>
+            </p:txBody>
+          </p:sp>
+        </mc:Fallback>
+      </mc:AlternateContent>
+      <mc:AlternateContent xmlns:mc="http://schemas.openxmlformats.org/markup-compatibility/2006">
+        <mc:Choice xmlns:a14="http://schemas.microsoft.com/office/drawing/2010/main" Requires="a14">
+          <p:sp>
+            <p:nvSpPr>
+              <p:cNvPr id="11" name="Oval 10">
+                <a:extLst>
+                  <a:ext uri="{FF2B5EF4-FFF2-40B4-BE49-F238E27FC236}">
+                    <a16:creationId xmlns:a16="http://schemas.microsoft.com/office/drawing/2014/main" id="{E9154502-B593-6F4B-A56E-0DABE3B205D3}"/>
+                  </a:ext>
+                </a:extLst>
+              </p:cNvPr>
+              <p:cNvSpPr/>
+              <p:nvPr/>
+            </p:nvSpPr>
+            <p:spPr>
+              <a:xfrm>
+                <a:off x="5759053" y="2927486"/>
+                <a:ext cx="685800" cy="681037"/>
+              </a:xfrm>
+              <a:prstGeom prst="ellipse">
+                <a:avLst/>
+              </a:prstGeom>
+              <a:solidFill>
+                <a:srgbClr val="FFC000"/>
+              </a:solidFill>
+            </p:spPr>
+            <p:style>
+              <a:lnRef idx="2">
+                <a:schemeClr val="accent1">
+                  <a:shade val="50000"/>
+                </a:schemeClr>
+              </a:lnRef>
+              <a:fillRef idx="1">
+                <a:schemeClr val="accent1"/>
+              </a:fillRef>
+              <a:effectRef idx="0">
+                <a:schemeClr val="accent1"/>
+              </a:effectRef>
+              <a:fontRef idx="minor">
+                <a:schemeClr val="lt1"/>
+              </a:fontRef>
+            </p:style>
+            <p:txBody>
+              <a:bodyPr rtlCol="0" anchor="ctr"/>
+              <a:lstStyle/>
+              <a:p>
+                <a:pPr algn="ctr"/>
+                <a14:m>
+                  <m:oMath xmlns:m="http://schemas.openxmlformats.org/officeDocument/2006/math">
+                    <m:r>
+                      <a:rPr lang="en-GB" b="0" i="1" smtClean="0">
+                        <a:solidFill>
+                          <a:schemeClr val="tx1"/>
+                        </a:solidFill>
+                        <a:latin typeface="Cambria Math" panose="02040503050406030204" pitchFamily="18" charset="0"/>
+                      </a:rPr>
+                      <m:t>𝑎</m:t>
+                    </m:r>
+                  </m:oMath>
+                </a14:m>
+                <a:r>
+                  <a:rPr lang="en-US" baseline="-25000" dirty="0">
                     <a:solidFill>
                       <a:schemeClr val="tx1"/>
                     </a:solidFill>
-                  </a:endParaRPr>
-                </a:p>
-              </p:txBody>
-            </p:sp>
-          </mc:Choice>
-          <mc:Fallback xmlns="">
-            <p:sp>
-              <p:nvSpPr>
-                <p:cNvPr id="12" name="Oval 11">
-                  <a:extLst>
-                    <a:ext uri="{FF2B5EF4-FFF2-40B4-BE49-F238E27FC236}">
-                      <a16:creationId xmlns:a16="http://schemas.microsoft.com/office/drawing/2014/main" id="{BDC249AB-196B-F944-860B-E1B45E118853}"/>
-                    </a:ext>
-                  </a:extLst>
-                </p:cNvPr>
-                <p:cNvSpPr>
-                  <a:spLocks noRot="1" noChangeAspect="1" noMove="1" noResize="1" noEditPoints="1" noAdjustHandles="1" noChangeArrowheads="1" noChangeShapeType="1" noTextEdit="1"/>
-                </p:cNvSpPr>
-                <p:nvPr/>
-              </p:nvSpPr>
-              <p:spPr>
-                <a:xfrm>
-                  <a:off x="5638799" y="4025500"/>
-                  <a:ext cx="685800" cy="681037"/>
-                </a:xfrm>
-                <a:prstGeom prst="ellipse">
-                  <a:avLst/>
-                </a:prstGeom>
-                <a:blipFill>
-                  <a:blip r:embed="rId7"/>
-                  <a:stretch>
-                    <a:fillRect/>
-                  </a:stretch>
-                </a:blipFill>
-              </p:spPr>
-              <p:txBody>
-                <a:bodyPr/>
-                <a:lstStyle/>
-                <a:p>
-                  <a:r>
-                    <a:rPr lang="en-US">
-                      <a:noFill/>
-                    </a:rPr>
-                    <a:t> </a:t>
-                  </a:r>
-                </a:p>
-              </p:txBody>
-            </p:sp>
-          </mc:Fallback>
-        </mc:AlternateContent>
-        <p:sp>
-          <p:nvSpPr>
-            <p:cNvPr id="13" name="Oval 12">
-              <a:extLst>
-                <a:ext uri="{FF2B5EF4-FFF2-40B4-BE49-F238E27FC236}">
-                  <a16:creationId xmlns:a16="http://schemas.microsoft.com/office/drawing/2014/main" id="{A29A4891-10D7-3A4A-8B90-49F23C532CE4}"/>
-                </a:ext>
-              </a:extLst>
-            </p:cNvPr>
-            <p:cNvSpPr/>
-            <p:nvPr/>
-          </p:nvSpPr>
-          <p:spPr>
-            <a:xfrm>
-              <a:off x="7462836" y="2965844"/>
-              <a:ext cx="685800" cy="681037"/>
-            </a:xfrm>
-            <a:prstGeom prst="ellipse">
-              <a:avLst/>
-            </a:prstGeom>
-            <a:solidFill>
-              <a:srgbClr val="FF0000"/>
-            </a:solidFill>
-          </p:spPr>
-          <p:style>
-            <a:lnRef idx="2">
-              <a:schemeClr val="accent1">
-                <a:shade val="50000"/>
-              </a:schemeClr>
-            </a:lnRef>
-            <a:fillRef idx="1">
-              <a:schemeClr val="accent1"/>
-            </a:fillRef>
-            <a:effectRef idx="0">
-              <a:schemeClr val="accent1"/>
-            </a:effectRef>
-            <a:fontRef idx="minor">
-              <a:schemeClr val="lt1"/>
-            </a:fontRef>
-          </p:style>
-          <p:txBody>
-            <a:bodyPr rtlCol="0" anchor="ctr"/>
-            <a:lstStyle/>
-            <a:p>
-              <a:pPr algn="ctr"/>
-              <a:endParaRPr lang="en-US"/>
-            </a:p>
-          </p:txBody>
-        </p:sp>
-        <p:cxnSp>
-          <p:nvCxnSpPr>
-            <p:cNvPr id="45" name="Straight Connector 44">
-              <a:extLst>
-                <a:ext uri="{FF2B5EF4-FFF2-40B4-BE49-F238E27FC236}">
-                  <a16:creationId xmlns:a16="http://schemas.microsoft.com/office/drawing/2014/main" id="{A0C216F5-622D-EC41-A563-E0F5D82597B3}"/>
-                </a:ext>
-              </a:extLst>
-            </p:cNvPr>
-            <p:cNvCxnSpPr>
-              <a:cxnSpLocks/>
-              <a:stCxn id="7" idx="6"/>
-              <a:endCxn id="10" idx="2"/>
-            </p:cNvCxnSpPr>
-            <p:nvPr/>
-          </p:nvCxnSpPr>
-          <p:spPr>
-            <a:xfrm flipV="1">
-              <a:off x="4500562" y="2246706"/>
-              <a:ext cx="1138237" cy="1"/>
-            </a:xfrm>
-            <a:prstGeom prst="line">
-              <a:avLst/>
-            </a:prstGeom>
-          </p:spPr>
-          <p:style>
-            <a:lnRef idx="1">
-              <a:schemeClr val="accent1"/>
-            </a:lnRef>
-            <a:fillRef idx="0">
-              <a:schemeClr val="accent1"/>
-            </a:fillRef>
-            <a:effectRef idx="0">
-              <a:schemeClr val="accent1"/>
-            </a:effectRef>
-            <a:fontRef idx="minor">
-              <a:schemeClr val="tx1"/>
-            </a:fontRef>
-          </p:style>
-        </p:cxnSp>
-        <p:cxnSp>
-          <p:nvCxnSpPr>
-            <p:cNvPr id="47" name="Straight Connector 46">
-              <a:extLst>
-                <a:ext uri="{FF2B5EF4-FFF2-40B4-BE49-F238E27FC236}">
-                  <a16:creationId xmlns:a16="http://schemas.microsoft.com/office/drawing/2014/main" id="{F5F91DBF-11DB-9042-B665-78D546831F39}"/>
-                </a:ext>
-              </a:extLst>
-            </p:cNvPr>
-            <p:cNvCxnSpPr>
-              <a:cxnSpLocks/>
-            </p:cNvCxnSpPr>
-            <p:nvPr/>
-          </p:nvCxnSpPr>
-          <p:spPr>
-            <a:xfrm flipV="1">
-              <a:off x="4500562" y="4366018"/>
-              <a:ext cx="1138237" cy="1"/>
-            </a:xfrm>
-            <a:prstGeom prst="line">
-              <a:avLst/>
-            </a:prstGeom>
-          </p:spPr>
-          <p:style>
-            <a:lnRef idx="1">
-              <a:schemeClr val="accent1"/>
-            </a:lnRef>
-            <a:fillRef idx="0">
-              <a:schemeClr val="accent1"/>
-            </a:fillRef>
-            <a:effectRef idx="0">
-              <a:schemeClr val="accent1"/>
-            </a:effectRef>
-            <a:fontRef idx="minor">
-              <a:schemeClr val="tx1"/>
-            </a:fontRef>
-          </p:style>
-        </p:cxnSp>
-        <p:cxnSp>
-          <p:nvCxnSpPr>
-            <p:cNvPr id="48" name="Straight Connector 47">
-              <a:extLst>
-                <a:ext uri="{FF2B5EF4-FFF2-40B4-BE49-F238E27FC236}">
-                  <a16:creationId xmlns:a16="http://schemas.microsoft.com/office/drawing/2014/main" id="{E6DCE703-3D17-684B-A42A-C22DAB077CF7}"/>
-                </a:ext>
-              </a:extLst>
-            </p:cNvPr>
-            <p:cNvCxnSpPr>
-              <a:cxnSpLocks/>
-            </p:cNvCxnSpPr>
-            <p:nvPr/>
-          </p:nvCxnSpPr>
-          <p:spPr>
-            <a:xfrm flipV="1">
-              <a:off x="4500562" y="3306361"/>
-              <a:ext cx="1138237" cy="1"/>
-            </a:xfrm>
-            <a:prstGeom prst="line">
-              <a:avLst/>
-            </a:prstGeom>
-          </p:spPr>
-          <p:style>
-            <a:lnRef idx="1">
-              <a:schemeClr val="accent1"/>
-            </a:lnRef>
-            <a:fillRef idx="0">
-              <a:schemeClr val="accent1"/>
-            </a:fillRef>
-            <a:effectRef idx="0">
-              <a:schemeClr val="accent1"/>
-            </a:effectRef>
-            <a:fontRef idx="minor">
-              <a:schemeClr val="tx1"/>
-            </a:fontRef>
-          </p:style>
-        </p:cxnSp>
-        <p:cxnSp>
-          <p:nvCxnSpPr>
-            <p:cNvPr id="50" name="Straight Connector 49">
-              <a:extLst>
-                <a:ext uri="{FF2B5EF4-FFF2-40B4-BE49-F238E27FC236}">
-                  <a16:creationId xmlns:a16="http://schemas.microsoft.com/office/drawing/2014/main" id="{88F6DC9A-877E-3E42-9EAC-E12A9C190E95}"/>
-                </a:ext>
-              </a:extLst>
-            </p:cNvPr>
-            <p:cNvCxnSpPr>
-              <a:cxnSpLocks/>
-            </p:cNvCxnSpPr>
-            <p:nvPr/>
-          </p:nvCxnSpPr>
-          <p:spPr>
-            <a:xfrm flipV="1">
-              <a:off x="6336504" y="3295640"/>
-              <a:ext cx="1138237" cy="1"/>
-            </a:xfrm>
-            <a:prstGeom prst="line">
-              <a:avLst/>
-            </a:prstGeom>
-            <a:ln>
-              <a:tailEnd type="none"/>
-            </a:ln>
-          </p:spPr>
-          <p:style>
-            <a:lnRef idx="1">
-              <a:schemeClr val="accent1"/>
-            </a:lnRef>
-            <a:fillRef idx="0">
-              <a:schemeClr val="accent1"/>
-            </a:fillRef>
-            <a:effectRef idx="0">
-              <a:schemeClr val="accent1"/>
-            </a:effectRef>
-            <a:fontRef idx="minor">
-              <a:schemeClr val="tx1"/>
-            </a:fontRef>
-          </p:style>
-        </p:cxnSp>
-        <p:cxnSp>
-          <p:nvCxnSpPr>
-            <p:cNvPr id="51" name="Straight Connector 50">
-              <a:extLst>
-                <a:ext uri="{FF2B5EF4-FFF2-40B4-BE49-F238E27FC236}">
-                  <a16:creationId xmlns:a16="http://schemas.microsoft.com/office/drawing/2014/main" id="{EABC1F95-4938-0C48-8924-EAC11CC3B46A}"/>
-                </a:ext>
-              </a:extLst>
-            </p:cNvPr>
-            <p:cNvCxnSpPr>
-              <a:cxnSpLocks/>
-              <a:stCxn id="12" idx="2"/>
-              <a:endCxn id="7" idx="6"/>
-            </p:cNvCxnSpPr>
-            <p:nvPr/>
-          </p:nvCxnSpPr>
-          <p:spPr>
-            <a:xfrm flipH="1" flipV="1">
-              <a:off x="4500562" y="2246707"/>
-              <a:ext cx="1138237" cy="2119312"/>
-            </a:xfrm>
-            <a:prstGeom prst="line">
-              <a:avLst/>
-            </a:prstGeom>
-          </p:spPr>
-          <p:style>
-            <a:lnRef idx="1">
-              <a:schemeClr val="accent1"/>
-            </a:lnRef>
-            <a:fillRef idx="0">
-              <a:schemeClr val="accent1"/>
-            </a:fillRef>
-            <a:effectRef idx="0">
-              <a:schemeClr val="accent1"/>
-            </a:effectRef>
-            <a:fontRef idx="minor">
-              <a:schemeClr val="tx1"/>
-            </a:fontRef>
-          </p:style>
-        </p:cxnSp>
-        <p:cxnSp>
-          <p:nvCxnSpPr>
-            <p:cNvPr id="52" name="Straight Connector 51">
-              <a:extLst>
-                <a:ext uri="{FF2B5EF4-FFF2-40B4-BE49-F238E27FC236}">
-                  <a16:creationId xmlns:a16="http://schemas.microsoft.com/office/drawing/2014/main" id="{A9F0D335-7B07-5547-8452-551BD6E16209}"/>
-                </a:ext>
-              </a:extLst>
-            </p:cNvPr>
-            <p:cNvCxnSpPr>
-              <a:cxnSpLocks/>
-              <a:stCxn id="8" idx="6"/>
-              <a:endCxn id="10" idx="2"/>
-            </p:cNvCxnSpPr>
-            <p:nvPr/>
-          </p:nvCxnSpPr>
-          <p:spPr>
-            <a:xfrm flipV="1">
-              <a:off x="4500562" y="2246706"/>
-              <a:ext cx="1138237" cy="1059657"/>
-            </a:xfrm>
-            <a:prstGeom prst="line">
-              <a:avLst/>
-            </a:prstGeom>
-          </p:spPr>
-          <p:style>
-            <a:lnRef idx="1">
-              <a:schemeClr val="accent1"/>
-            </a:lnRef>
-            <a:fillRef idx="0">
-              <a:schemeClr val="accent1"/>
-            </a:fillRef>
-            <a:effectRef idx="0">
-              <a:schemeClr val="accent1"/>
-            </a:effectRef>
-            <a:fontRef idx="minor">
-              <a:schemeClr val="tx1"/>
-            </a:fontRef>
-          </p:style>
-        </p:cxnSp>
-        <p:cxnSp>
-          <p:nvCxnSpPr>
-            <p:cNvPr id="53" name="Straight Connector 52">
-              <a:extLst>
-                <a:ext uri="{FF2B5EF4-FFF2-40B4-BE49-F238E27FC236}">
-                  <a16:creationId xmlns:a16="http://schemas.microsoft.com/office/drawing/2014/main" id="{C6BD77F7-9E08-5F4B-90B0-5130BC234278}"/>
-                </a:ext>
-              </a:extLst>
-            </p:cNvPr>
-            <p:cNvCxnSpPr>
-              <a:cxnSpLocks/>
-              <a:stCxn id="7" idx="6"/>
-              <a:endCxn id="11" idx="2"/>
-            </p:cNvCxnSpPr>
-            <p:nvPr/>
-          </p:nvCxnSpPr>
-          <p:spPr>
-            <a:xfrm>
-              <a:off x="4500562" y="2246707"/>
-              <a:ext cx="1138237" cy="1059656"/>
-            </a:xfrm>
-            <a:prstGeom prst="line">
-              <a:avLst/>
-            </a:prstGeom>
-          </p:spPr>
-          <p:style>
-            <a:lnRef idx="1">
-              <a:schemeClr val="accent1"/>
-            </a:lnRef>
-            <a:fillRef idx="0">
-              <a:schemeClr val="accent1"/>
-            </a:fillRef>
-            <a:effectRef idx="0">
-              <a:schemeClr val="accent1"/>
-            </a:effectRef>
-            <a:fontRef idx="minor">
-              <a:schemeClr val="tx1"/>
-            </a:fontRef>
-          </p:style>
-        </p:cxnSp>
-        <p:cxnSp>
-          <p:nvCxnSpPr>
-            <p:cNvPr id="60" name="Straight Connector 59">
-              <a:extLst>
-                <a:ext uri="{FF2B5EF4-FFF2-40B4-BE49-F238E27FC236}">
-                  <a16:creationId xmlns:a16="http://schemas.microsoft.com/office/drawing/2014/main" id="{84187220-1A38-8240-8397-4A3EA641A4CB}"/>
-                </a:ext>
-              </a:extLst>
-            </p:cNvPr>
-            <p:cNvCxnSpPr>
-              <a:cxnSpLocks/>
-            </p:cNvCxnSpPr>
-            <p:nvPr/>
-          </p:nvCxnSpPr>
-          <p:spPr>
-            <a:xfrm flipV="1">
-              <a:off x="4512467" y="3287312"/>
-              <a:ext cx="1138237" cy="1059657"/>
-            </a:xfrm>
-            <a:prstGeom prst="line">
-              <a:avLst/>
-            </a:prstGeom>
-          </p:spPr>
-          <p:style>
-            <a:lnRef idx="1">
-              <a:schemeClr val="accent1"/>
-            </a:lnRef>
-            <a:fillRef idx="0">
-              <a:schemeClr val="accent1"/>
-            </a:fillRef>
-            <a:effectRef idx="0">
-              <a:schemeClr val="accent1"/>
-            </a:effectRef>
-            <a:fontRef idx="minor">
-              <a:schemeClr val="tx1"/>
-            </a:fontRef>
-          </p:style>
-        </p:cxnSp>
-        <p:cxnSp>
-          <p:nvCxnSpPr>
-            <p:cNvPr id="61" name="Straight Connector 60">
-              <a:extLst>
-                <a:ext uri="{FF2B5EF4-FFF2-40B4-BE49-F238E27FC236}">
-                  <a16:creationId xmlns:a16="http://schemas.microsoft.com/office/drawing/2014/main" id="{D3FF8409-702D-1A40-A4D9-D727E7502F63}"/>
-                </a:ext>
-              </a:extLst>
-            </p:cNvPr>
-            <p:cNvCxnSpPr>
-              <a:cxnSpLocks/>
-              <a:stCxn id="8" idx="6"/>
-              <a:endCxn id="12" idx="2"/>
-            </p:cNvCxnSpPr>
-            <p:nvPr/>
-          </p:nvCxnSpPr>
-          <p:spPr>
-            <a:xfrm>
-              <a:off x="4500562" y="3306363"/>
-              <a:ext cx="1138237" cy="1059656"/>
-            </a:xfrm>
-            <a:prstGeom prst="line">
-              <a:avLst/>
-            </a:prstGeom>
-          </p:spPr>
-          <p:style>
-            <a:lnRef idx="1">
-              <a:schemeClr val="accent1"/>
-            </a:lnRef>
-            <a:fillRef idx="0">
-              <a:schemeClr val="accent1"/>
-            </a:fillRef>
-            <a:effectRef idx="0">
-              <a:schemeClr val="accent1"/>
-            </a:effectRef>
-            <a:fontRef idx="minor">
-              <a:schemeClr val="tx1"/>
-            </a:fontRef>
-          </p:style>
-        </p:cxnSp>
-        <p:cxnSp>
-          <p:nvCxnSpPr>
-            <p:cNvPr id="64" name="Straight Connector 63">
-              <a:extLst>
-                <a:ext uri="{FF2B5EF4-FFF2-40B4-BE49-F238E27FC236}">
-                  <a16:creationId xmlns:a16="http://schemas.microsoft.com/office/drawing/2014/main" id="{2E0C457A-E033-CF4D-8531-E84BB6251C5E}"/>
-                </a:ext>
-              </a:extLst>
-            </p:cNvPr>
-            <p:cNvCxnSpPr>
-              <a:cxnSpLocks/>
-              <a:stCxn id="9" idx="6"/>
-              <a:endCxn id="10" idx="2"/>
-            </p:cNvCxnSpPr>
-            <p:nvPr/>
-          </p:nvCxnSpPr>
-          <p:spPr>
-            <a:xfrm flipV="1">
-              <a:off x="4500562" y="2246706"/>
-              <a:ext cx="1138237" cy="2119314"/>
-            </a:xfrm>
-            <a:prstGeom prst="line">
-              <a:avLst/>
-            </a:prstGeom>
-          </p:spPr>
-          <p:style>
-            <a:lnRef idx="1">
-              <a:schemeClr val="accent1"/>
-            </a:lnRef>
-            <a:fillRef idx="0">
-              <a:schemeClr val="accent1"/>
-            </a:fillRef>
-            <a:effectRef idx="0">
-              <a:schemeClr val="accent1"/>
-            </a:effectRef>
-            <a:fontRef idx="minor">
-              <a:schemeClr val="tx1"/>
-            </a:fontRef>
-          </p:style>
-        </p:cxnSp>
-        <p:cxnSp>
-          <p:nvCxnSpPr>
-            <p:cNvPr id="67" name="Straight Connector 66">
-              <a:extLst>
-                <a:ext uri="{FF2B5EF4-FFF2-40B4-BE49-F238E27FC236}">
-                  <a16:creationId xmlns:a16="http://schemas.microsoft.com/office/drawing/2014/main" id="{D71A281E-71C1-804A-99EF-BB99A2C8CD49}"/>
-                </a:ext>
-              </a:extLst>
-            </p:cNvPr>
-            <p:cNvCxnSpPr>
-              <a:cxnSpLocks/>
-              <a:stCxn id="10" idx="6"/>
-              <a:endCxn id="13" idx="2"/>
-            </p:cNvCxnSpPr>
-            <p:nvPr/>
-          </p:nvCxnSpPr>
-          <p:spPr>
-            <a:xfrm>
-              <a:off x="6324599" y="2246706"/>
-              <a:ext cx="1138237" cy="1059657"/>
-            </a:xfrm>
-            <a:prstGeom prst="line">
-              <a:avLst/>
-            </a:prstGeom>
-          </p:spPr>
-          <p:style>
-            <a:lnRef idx="1">
-              <a:schemeClr val="accent1"/>
-            </a:lnRef>
-            <a:fillRef idx="0">
-              <a:schemeClr val="accent1"/>
-            </a:fillRef>
-            <a:effectRef idx="0">
-              <a:schemeClr val="accent1"/>
-            </a:effectRef>
-            <a:fontRef idx="minor">
-              <a:schemeClr val="tx1"/>
-            </a:fontRef>
-          </p:style>
-        </p:cxnSp>
-        <p:cxnSp>
-          <p:nvCxnSpPr>
-            <p:cNvPr id="70" name="Straight Connector 69">
-              <a:extLst>
-                <a:ext uri="{FF2B5EF4-FFF2-40B4-BE49-F238E27FC236}">
-                  <a16:creationId xmlns:a16="http://schemas.microsoft.com/office/drawing/2014/main" id="{9B800413-BCF2-F247-817A-A506B8A1B276}"/>
-                </a:ext>
-              </a:extLst>
-            </p:cNvPr>
-            <p:cNvCxnSpPr>
-              <a:cxnSpLocks/>
-              <a:stCxn id="12" idx="6"/>
-              <a:endCxn id="13" idx="2"/>
-            </p:cNvCxnSpPr>
-            <p:nvPr/>
-          </p:nvCxnSpPr>
-          <p:spPr>
-            <a:xfrm flipV="1">
-              <a:off x="6324599" y="3306363"/>
-              <a:ext cx="1138237" cy="1059656"/>
-            </a:xfrm>
-            <a:prstGeom prst="line">
-              <a:avLst/>
-            </a:prstGeom>
-            <a:ln>
-              <a:tailEnd type="none"/>
-            </a:ln>
-          </p:spPr>
-          <p:style>
-            <a:lnRef idx="1">
-              <a:schemeClr val="accent1"/>
-            </a:lnRef>
-            <a:fillRef idx="0">
-              <a:schemeClr val="accent1"/>
-            </a:fillRef>
-            <a:effectRef idx="0">
-              <a:schemeClr val="accent1"/>
-            </a:effectRef>
-            <a:fontRef idx="minor">
-              <a:schemeClr val="tx1"/>
-            </a:fontRef>
-          </p:style>
-        </p:cxnSp>
-        <p:cxnSp>
-          <p:nvCxnSpPr>
-            <p:cNvPr id="74" name="Straight Connector 73">
-              <a:extLst>
-                <a:ext uri="{FF2B5EF4-FFF2-40B4-BE49-F238E27FC236}">
-                  <a16:creationId xmlns:a16="http://schemas.microsoft.com/office/drawing/2014/main" id="{F5A4ABF8-0CFB-9449-8334-5F2B6828B6DD}"/>
-                </a:ext>
-              </a:extLst>
-            </p:cNvPr>
-            <p:cNvCxnSpPr>
-              <a:cxnSpLocks/>
-            </p:cNvCxnSpPr>
-            <p:nvPr/>
-          </p:nvCxnSpPr>
-          <p:spPr>
-            <a:xfrm flipV="1">
-              <a:off x="8148636" y="3287311"/>
-              <a:ext cx="1138237" cy="1"/>
-            </a:xfrm>
-            <a:prstGeom prst="line">
-              <a:avLst/>
-            </a:prstGeom>
-            <a:ln>
-              <a:tailEnd type="triangle"/>
-            </a:ln>
-          </p:spPr>
-          <p:style>
-            <a:lnRef idx="1">
-              <a:schemeClr val="accent1"/>
-            </a:lnRef>
-            <a:fillRef idx="0">
-              <a:schemeClr val="accent1"/>
-            </a:fillRef>
-            <a:effectRef idx="0">
-              <a:schemeClr val="accent1"/>
-            </a:effectRef>
-            <a:fontRef idx="minor">
-              <a:schemeClr val="tx1"/>
-            </a:fontRef>
-          </p:style>
-        </p:cxnSp>
-        <p:cxnSp>
-          <p:nvCxnSpPr>
-            <p:cNvPr id="75" name="Straight Connector 74">
-              <a:extLst>
-                <a:ext uri="{FF2B5EF4-FFF2-40B4-BE49-F238E27FC236}">
-                  <a16:creationId xmlns:a16="http://schemas.microsoft.com/office/drawing/2014/main" id="{2A699A0E-97CE-5247-AAF4-330B4C0D890E}"/>
-                </a:ext>
-              </a:extLst>
-            </p:cNvPr>
-            <p:cNvCxnSpPr>
-              <a:cxnSpLocks/>
-            </p:cNvCxnSpPr>
-            <p:nvPr/>
-          </p:nvCxnSpPr>
-          <p:spPr>
-            <a:xfrm flipV="1">
-              <a:off x="2664618" y="4366018"/>
-              <a:ext cx="1138237" cy="1"/>
-            </a:xfrm>
-            <a:prstGeom prst="line">
-              <a:avLst/>
-            </a:prstGeom>
-            <a:ln>
-              <a:tailEnd type="triangle"/>
-            </a:ln>
-          </p:spPr>
-          <p:style>
-            <a:lnRef idx="1">
-              <a:schemeClr val="accent1"/>
-            </a:lnRef>
-            <a:fillRef idx="0">
-              <a:schemeClr val="accent1"/>
-            </a:fillRef>
-            <a:effectRef idx="0">
-              <a:schemeClr val="accent1"/>
-            </a:effectRef>
-            <a:fontRef idx="minor">
-              <a:schemeClr val="tx1"/>
-            </a:fontRef>
-          </p:style>
-        </p:cxnSp>
-        <p:cxnSp>
-          <p:nvCxnSpPr>
-            <p:cNvPr id="76" name="Straight Connector 75">
-              <a:extLst>
-                <a:ext uri="{FF2B5EF4-FFF2-40B4-BE49-F238E27FC236}">
-                  <a16:creationId xmlns:a16="http://schemas.microsoft.com/office/drawing/2014/main" id="{D22C2ED3-F306-D248-942B-2E80C94728B8}"/>
-                </a:ext>
-              </a:extLst>
-            </p:cNvPr>
-            <p:cNvCxnSpPr>
-              <a:cxnSpLocks/>
-            </p:cNvCxnSpPr>
-            <p:nvPr/>
-          </p:nvCxnSpPr>
-          <p:spPr>
-            <a:xfrm flipV="1">
-              <a:off x="2664619" y="3314690"/>
-              <a:ext cx="1138237" cy="1"/>
-            </a:xfrm>
-            <a:prstGeom prst="line">
-              <a:avLst/>
-            </a:prstGeom>
-            <a:ln>
-              <a:tailEnd type="triangle"/>
-            </a:ln>
-          </p:spPr>
-          <p:style>
-            <a:lnRef idx="1">
-              <a:schemeClr val="accent1"/>
-            </a:lnRef>
-            <a:fillRef idx="0">
-              <a:schemeClr val="accent1"/>
-            </a:fillRef>
-            <a:effectRef idx="0">
-              <a:schemeClr val="accent1"/>
-            </a:effectRef>
-            <a:fontRef idx="minor">
-              <a:schemeClr val="tx1"/>
-            </a:fontRef>
-          </p:style>
-        </p:cxnSp>
-        <p:cxnSp>
-          <p:nvCxnSpPr>
-            <p:cNvPr id="77" name="Straight Connector 76">
-              <a:extLst>
-                <a:ext uri="{FF2B5EF4-FFF2-40B4-BE49-F238E27FC236}">
-                  <a16:creationId xmlns:a16="http://schemas.microsoft.com/office/drawing/2014/main" id="{F6C58BB2-E029-1346-8D6A-C3FA2CB41DFF}"/>
-                </a:ext>
-              </a:extLst>
-            </p:cNvPr>
-            <p:cNvCxnSpPr>
-              <a:cxnSpLocks/>
-            </p:cNvCxnSpPr>
-            <p:nvPr/>
-          </p:nvCxnSpPr>
-          <p:spPr>
-            <a:xfrm flipV="1">
-              <a:off x="2664620" y="2246705"/>
-              <a:ext cx="1138237" cy="1"/>
-            </a:xfrm>
-            <a:prstGeom prst="line">
-              <a:avLst/>
-            </a:prstGeom>
-            <a:ln>
-              <a:tailEnd type="triangle"/>
-            </a:ln>
-          </p:spPr>
-          <p:style>
-            <a:lnRef idx="1">
-              <a:schemeClr val="accent1"/>
-            </a:lnRef>
-            <a:fillRef idx="0">
-              <a:schemeClr val="accent1"/>
-            </a:fillRef>
-            <a:effectRef idx="0">
-              <a:schemeClr val="accent1"/>
-            </a:effectRef>
-            <a:fontRef idx="minor">
-              <a:schemeClr val="tx1"/>
-            </a:fontRef>
-          </p:style>
-        </p:cxnSp>
-      </p:grpSp>
+                  </a:rPr>
+                  <a:t>2</a:t>
+                </a:r>
+                <a:endParaRPr lang="en-US" dirty="0">
+                  <a:solidFill>
+                    <a:schemeClr val="tx1"/>
+                  </a:solidFill>
+                </a:endParaRPr>
+              </a:p>
+            </p:txBody>
+          </p:sp>
+        </mc:Choice>
+        <mc:Fallback>
+          <p:sp>
+            <p:nvSpPr>
+              <p:cNvPr id="11" name="Oval 10">
+                <a:extLst>
+                  <a:ext uri="{FF2B5EF4-FFF2-40B4-BE49-F238E27FC236}">
+                    <a16:creationId xmlns:a16="http://schemas.microsoft.com/office/drawing/2014/main" id="{E9154502-B593-6F4B-A56E-0DABE3B205D3}"/>
+                  </a:ext>
+                </a:extLst>
+              </p:cNvPr>
+              <p:cNvSpPr>
+                <a:spLocks noRot="1" noChangeAspect="1" noMove="1" noResize="1" noEditPoints="1" noAdjustHandles="1" noChangeArrowheads="1" noChangeShapeType="1" noTextEdit="1"/>
+              </p:cNvSpPr>
+              <p:nvPr/>
+            </p:nvSpPr>
+            <p:spPr>
+              <a:xfrm>
+                <a:off x="5759053" y="2927486"/>
+                <a:ext cx="685800" cy="681037"/>
+              </a:xfrm>
+              <a:prstGeom prst="ellipse">
+                <a:avLst/>
+              </a:prstGeom>
+              <a:blipFill>
+                <a:blip r:embed="rId6"/>
+                <a:stretch>
+                  <a:fillRect/>
+                </a:stretch>
+              </a:blipFill>
+            </p:spPr>
+            <p:txBody>
+              <a:bodyPr/>
+              <a:lstStyle/>
+              <a:p>
+                <a:r>
+                  <a:rPr lang="en-US">
+                    <a:noFill/>
+                  </a:rPr>
+                  <a:t> </a:t>
+                </a:r>
+              </a:p>
+            </p:txBody>
+          </p:sp>
+        </mc:Fallback>
+      </mc:AlternateContent>
+      <mc:AlternateContent xmlns:mc="http://schemas.openxmlformats.org/markup-compatibility/2006">
+        <mc:Choice xmlns:a14="http://schemas.microsoft.com/office/drawing/2010/main" Requires="a14">
+          <p:sp>
+            <p:nvSpPr>
+              <p:cNvPr id="12" name="Oval 11">
+                <a:extLst>
+                  <a:ext uri="{FF2B5EF4-FFF2-40B4-BE49-F238E27FC236}">
+                    <a16:creationId xmlns:a16="http://schemas.microsoft.com/office/drawing/2014/main" id="{BDC249AB-196B-F944-860B-E1B45E118853}"/>
+                  </a:ext>
+                </a:extLst>
+              </p:cNvPr>
+              <p:cNvSpPr/>
+              <p:nvPr/>
+            </p:nvSpPr>
+            <p:spPr>
+              <a:xfrm>
+                <a:off x="5759053" y="3987142"/>
+                <a:ext cx="685800" cy="681037"/>
+              </a:xfrm>
+              <a:prstGeom prst="ellipse">
+                <a:avLst/>
+              </a:prstGeom>
+              <a:solidFill>
+                <a:srgbClr val="FFC000"/>
+              </a:solidFill>
+            </p:spPr>
+            <p:style>
+              <a:lnRef idx="2">
+                <a:schemeClr val="accent1">
+                  <a:shade val="50000"/>
+                </a:schemeClr>
+              </a:lnRef>
+              <a:fillRef idx="1">
+                <a:schemeClr val="accent1"/>
+              </a:fillRef>
+              <a:effectRef idx="0">
+                <a:schemeClr val="accent1"/>
+              </a:effectRef>
+              <a:fontRef idx="minor">
+                <a:schemeClr val="lt1"/>
+              </a:fontRef>
+            </p:style>
+            <p:txBody>
+              <a:bodyPr rtlCol="0" anchor="ctr"/>
+              <a:lstStyle/>
+              <a:p>
+                <a:pPr algn="ctr"/>
+                <a14:m>
+                  <m:oMath xmlns:m="http://schemas.openxmlformats.org/officeDocument/2006/math">
+                    <m:r>
+                      <a:rPr lang="en-GB" b="0" i="1" smtClean="0">
+                        <a:solidFill>
+                          <a:schemeClr val="tx1"/>
+                        </a:solidFill>
+                        <a:latin typeface="Cambria Math" panose="02040503050406030204" pitchFamily="18" charset="0"/>
+                      </a:rPr>
+                      <m:t>𝑎</m:t>
+                    </m:r>
+                  </m:oMath>
+                </a14:m>
+                <a:r>
+                  <a:rPr lang="en-US" baseline="-25000" dirty="0">
+                    <a:solidFill>
+                      <a:schemeClr val="tx1"/>
+                    </a:solidFill>
+                  </a:rPr>
+                  <a:t>3</a:t>
+                </a:r>
+                <a:endParaRPr lang="en-US" dirty="0">
+                  <a:solidFill>
+                    <a:schemeClr val="tx1"/>
+                  </a:solidFill>
+                </a:endParaRPr>
+              </a:p>
+            </p:txBody>
+          </p:sp>
+        </mc:Choice>
+        <mc:Fallback>
+          <p:sp>
+            <p:nvSpPr>
+              <p:cNvPr id="12" name="Oval 11">
+                <a:extLst>
+                  <a:ext uri="{FF2B5EF4-FFF2-40B4-BE49-F238E27FC236}">
+                    <a16:creationId xmlns:a16="http://schemas.microsoft.com/office/drawing/2014/main" id="{BDC249AB-196B-F944-860B-E1B45E118853}"/>
+                  </a:ext>
+                </a:extLst>
+              </p:cNvPr>
+              <p:cNvSpPr>
+                <a:spLocks noRot="1" noChangeAspect="1" noMove="1" noResize="1" noEditPoints="1" noAdjustHandles="1" noChangeArrowheads="1" noChangeShapeType="1" noTextEdit="1"/>
+              </p:cNvSpPr>
+              <p:nvPr/>
+            </p:nvSpPr>
+            <p:spPr>
+              <a:xfrm>
+                <a:off x="5759053" y="3987142"/>
+                <a:ext cx="685800" cy="681037"/>
+              </a:xfrm>
+              <a:prstGeom prst="ellipse">
+                <a:avLst/>
+              </a:prstGeom>
+              <a:blipFill>
+                <a:blip r:embed="rId7"/>
+                <a:stretch>
+                  <a:fillRect/>
+                </a:stretch>
+              </a:blipFill>
+            </p:spPr>
+            <p:txBody>
+              <a:bodyPr/>
+              <a:lstStyle/>
+              <a:p>
+                <a:r>
+                  <a:rPr lang="en-US">
+                    <a:noFill/>
+                  </a:rPr>
+                  <a:t> </a:t>
+                </a:r>
+              </a:p>
+            </p:txBody>
+          </p:sp>
+        </mc:Fallback>
+      </mc:AlternateContent>
+      <p:sp>
+        <p:nvSpPr>
+          <p:cNvPr id="13" name="Oval 12">
+            <a:extLst>
+              <a:ext uri="{FF2B5EF4-FFF2-40B4-BE49-F238E27FC236}">
+                <a16:creationId xmlns:a16="http://schemas.microsoft.com/office/drawing/2014/main" id="{A29A4891-10D7-3A4A-8B90-49F23C532CE4}"/>
+              </a:ext>
+            </a:extLst>
+          </p:cNvPr>
+          <p:cNvSpPr/>
+          <p:nvPr/>
+        </p:nvSpPr>
+        <p:spPr>
+          <a:xfrm>
+            <a:off x="7583090" y="2927486"/>
+            <a:ext cx="685800" cy="681037"/>
+          </a:xfrm>
+          <a:prstGeom prst="ellipse">
+            <a:avLst/>
+          </a:prstGeom>
+          <a:solidFill>
+            <a:srgbClr val="FF0000"/>
+          </a:solidFill>
+        </p:spPr>
+        <p:style>
+          <a:lnRef idx="2">
+            <a:schemeClr val="accent1">
+              <a:shade val="50000"/>
+            </a:schemeClr>
+          </a:lnRef>
+          <a:fillRef idx="1">
+            <a:schemeClr val="accent1"/>
+          </a:fillRef>
+          <a:effectRef idx="0">
+            <a:schemeClr val="accent1"/>
+          </a:effectRef>
+          <a:fontRef idx="minor">
+            <a:schemeClr val="lt1"/>
+          </a:fontRef>
+        </p:style>
+        <p:txBody>
+          <a:bodyPr rtlCol="0" anchor="ctr"/>
+          <a:lstStyle/>
+          <a:p>
+            <a:pPr algn="ctr"/>
+            <a:endParaRPr lang="en-US"/>
+          </a:p>
+        </p:txBody>
+      </p:sp>
+      <p:cxnSp>
+        <p:nvCxnSpPr>
+          <p:cNvPr id="45" name="Straight Connector 44">
+            <a:extLst>
+              <a:ext uri="{FF2B5EF4-FFF2-40B4-BE49-F238E27FC236}">
+                <a16:creationId xmlns:a16="http://schemas.microsoft.com/office/drawing/2014/main" id="{A0C216F5-622D-EC41-A563-E0F5D82597B3}"/>
+              </a:ext>
+            </a:extLst>
+          </p:cNvPr>
+          <p:cNvCxnSpPr>
+            <a:cxnSpLocks/>
+            <a:stCxn id="7" idx="6"/>
+            <a:endCxn id="10" idx="2"/>
+          </p:cNvCxnSpPr>
+          <p:nvPr/>
+        </p:nvCxnSpPr>
+        <p:spPr>
+          <a:xfrm flipV="1">
+            <a:off x="4620816" y="2208348"/>
+            <a:ext cx="1138237" cy="1"/>
+          </a:xfrm>
+          <a:prstGeom prst="line">
+            <a:avLst/>
+          </a:prstGeom>
+        </p:spPr>
+        <p:style>
+          <a:lnRef idx="1">
+            <a:schemeClr val="accent1"/>
+          </a:lnRef>
+          <a:fillRef idx="0">
+            <a:schemeClr val="accent1"/>
+          </a:fillRef>
+          <a:effectRef idx="0">
+            <a:schemeClr val="accent1"/>
+          </a:effectRef>
+          <a:fontRef idx="minor">
+            <a:schemeClr val="tx1"/>
+          </a:fontRef>
+        </p:style>
+      </p:cxnSp>
+      <p:cxnSp>
+        <p:nvCxnSpPr>
+          <p:cNvPr id="47" name="Straight Connector 46">
+            <a:extLst>
+              <a:ext uri="{FF2B5EF4-FFF2-40B4-BE49-F238E27FC236}">
+                <a16:creationId xmlns:a16="http://schemas.microsoft.com/office/drawing/2014/main" id="{F5F91DBF-11DB-9042-B665-78D546831F39}"/>
+              </a:ext>
+            </a:extLst>
+          </p:cNvPr>
+          <p:cNvCxnSpPr>
+            <a:cxnSpLocks/>
+          </p:cNvCxnSpPr>
+          <p:nvPr/>
+        </p:nvCxnSpPr>
+        <p:spPr>
+          <a:xfrm flipV="1">
+            <a:off x="4620816" y="4327660"/>
+            <a:ext cx="1138237" cy="1"/>
+          </a:xfrm>
+          <a:prstGeom prst="line">
+            <a:avLst/>
+          </a:prstGeom>
+        </p:spPr>
+        <p:style>
+          <a:lnRef idx="1">
+            <a:schemeClr val="accent1"/>
+          </a:lnRef>
+          <a:fillRef idx="0">
+            <a:schemeClr val="accent1"/>
+          </a:fillRef>
+          <a:effectRef idx="0">
+            <a:schemeClr val="accent1"/>
+          </a:effectRef>
+          <a:fontRef idx="minor">
+            <a:schemeClr val="tx1"/>
+          </a:fontRef>
+        </p:style>
+      </p:cxnSp>
+      <p:cxnSp>
+        <p:nvCxnSpPr>
+          <p:cNvPr id="48" name="Straight Connector 47">
+            <a:extLst>
+              <a:ext uri="{FF2B5EF4-FFF2-40B4-BE49-F238E27FC236}">
+                <a16:creationId xmlns:a16="http://schemas.microsoft.com/office/drawing/2014/main" id="{E6DCE703-3D17-684B-A42A-C22DAB077CF7}"/>
+              </a:ext>
+            </a:extLst>
+          </p:cNvPr>
+          <p:cNvCxnSpPr>
+            <a:cxnSpLocks/>
+          </p:cNvCxnSpPr>
+          <p:nvPr/>
+        </p:nvCxnSpPr>
+        <p:spPr>
+          <a:xfrm flipV="1">
+            <a:off x="4620816" y="3268003"/>
+            <a:ext cx="1138237" cy="1"/>
+          </a:xfrm>
+          <a:prstGeom prst="line">
+            <a:avLst/>
+          </a:prstGeom>
+        </p:spPr>
+        <p:style>
+          <a:lnRef idx="1">
+            <a:schemeClr val="accent1"/>
+          </a:lnRef>
+          <a:fillRef idx="0">
+            <a:schemeClr val="accent1"/>
+          </a:fillRef>
+          <a:effectRef idx="0">
+            <a:schemeClr val="accent1"/>
+          </a:effectRef>
+          <a:fontRef idx="minor">
+            <a:schemeClr val="tx1"/>
+          </a:fontRef>
+        </p:style>
+      </p:cxnSp>
+      <p:cxnSp>
+        <p:nvCxnSpPr>
+          <p:cNvPr id="50" name="Straight Connector 49">
+            <a:extLst>
+              <a:ext uri="{FF2B5EF4-FFF2-40B4-BE49-F238E27FC236}">
+                <a16:creationId xmlns:a16="http://schemas.microsoft.com/office/drawing/2014/main" id="{88F6DC9A-877E-3E42-9EAC-E12A9C190E95}"/>
+              </a:ext>
+            </a:extLst>
+          </p:cNvPr>
+          <p:cNvCxnSpPr>
+            <a:cxnSpLocks/>
+          </p:cNvCxnSpPr>
+          <p:nvPr/>
+        </p:nvCxnSpPr>
+        <p:spPr>
+          <a:xfrm flipV="1">
+            <a:off x="6456758" y="3257282"/>
+            <a:ext cx="1138237" cy="1"/>
+          </a:xfrm>
+          <a:prstGeom prst="line">
+            <a:avLst/>
+          </a:prstGeom>
+          <a:ln>
+            <a:tailEnd type="none"/>
+          </a:ln>
+        </p:spPr>
+        <p:style>
+          <a:lnRef idx="1">
+            <a:schemeClr val="accent1"/>
+          </a:lnRef>
+          <a:fillRef idx="0">
+            <a:schemeClr val="accent1"/>
+          </a:fillRef>
+          <a:effectRef idx="0">
+            <a:schemeClr val="accent1"/>
+          </a:effectRef>
+          <a:fontRef idx="minor">
+            <a:schemeClr val="tx1"/>
+          </a:fontRef>
+        </p:style>
+      </p:cxnSp>
+      <p:cxnSp>
+        <p:nvCxnSpPr>
+          <p:cNvPr id="51" name="Straight Connector 50">
+            <a:extLst>
+              <a:ext uri="{FF2B5EF4-FFF2-40B4-BE49-F238E27FC236}">
+                <a16:creationId xmlns:a16="http://schemas.microsoft.com/office/drawing/2014/main" id="{EABC1F95-4938-0C48-8924-EAC11CC3B46A}"/>
+              </a:ext>
+            </a:extLst>
+          </p:cNvPr>
+          <p:cNvCxnSpPr>
+            <a:cxnSpLocks/>
+            <a:stCxn id="12" idx="2"/>
+            <a:endCxn id="7" idx="6"/>
+          </p:cNvCxnSpPr>
+          <p:nvPr/>
+        </p:nvCxnSpPr>
+        <p:spPr>
+          <a:xfrm flipH="1" flipV="1">
+            <a:off x="4620816" y="2208349"/>
+            <a:ext cx="1138237" cy="2119312"/>
+          </a:xfrm>
+          <a:prstGeom prst="line">
+            <a:avLst/>
+          </a:prstGeom>
+        </p:spPr>
+        <p:style>
+          <a:lnRef idx="1">
+            <a:schemeClr val="accent1"/>
+          </a:lnRef>
+          <a:fillRef idx="0">
+            <a:schemeClr val="accent1"/>
+          </a:fillRef>
+          <a:effectRef idx="0">
+            <a:schemeClr val="accent1"/>
+          </a:effectRef>
+          <a:fontRef idx="minor">
+            <a:schemeClr val="tx1"/>
+          </a:fontRef>
+        </p:style>
+      </p:cxnSp>
+      <p:cxnSp>
+        <p:nvCxnSpPr>
+          <p:cNvPr id="52" name="Straight Connector 51">
+            <a:extLst>
+              <a:ext uri="{FF2B5EF4-FFF2-40B4-BE49-F238E27FC236}">
+                <a16:creationId xmlns:a16="http://schemas.microsoft.com/office/drawing/2014/main" id="{A9F0D335-7B07-5547-8452-551BD6E16209}"/>
+              </a:ext>
+            </a:extLst>
+          </p:cNvPr>
+          <p:cNvCxnSpPr>
+            <a:cxnSpLocks/>
+            <a:stCxn id="8" idx="6"/>
+            <a:endCxn id="10" idx="2"/>
+          </p:cNvCxnSpPr>
+          <p:nvPr/>
+        </p:nvCxnSpPr>
+        <p:spPr>
+          <a:xfrm flipV="1">
+            <a:off x="4620816" y="2208348"/>
+            <a:ext cx="1138237" cy="1059657"/>
+          </a:xfrm>
+          <a:prstGeom prst="line">
+            <a:avLst/>
+          </a:prstGeom>
+        </p:spPr>
+        <p:style>
+          <a:lnRef idx="1">
+            <a:schemeClr val="accent1"/>
+          </a:lnRef>
+          <a:fillRef idx="0">
+            <a:schemeClr val="accent1"/>
+          </a:fillRef>
+          <a:effectRef idx="0">
+            <a:schemeClr val="accent1"/>
+          </a:effectRef>
+          <a:fontRef idx="minor">
+            <a:schemeClr val="tx1"/>
+          </a:fontRef>
+        </p:style>
+      </p:cxnSp>
+      <p:cxnSp>
+        <p:nvCxnSpPr>
+          <p:cNvPr id="53" name="Straight Connector 52">
+            <a:extLst>
+              <a:ext uri="{FF2B5EF4-FFF2-40B4-BE49-F238E27FC236}">
+                <a16:creationId xmlns:a16="http://schemas.microsoft.com/office/drawing/2014/main" id="{C6BD77F7-9E08-5F4B-90B0-5130BC234278}"/>
+              </a:ext>
+            </a:extLst>
+          </p:cNvPr>
+          <p:cNvCxnSpPr>
+            <a:cxnSpLocks/>
+            <a:stCxn id="7" idx="6"/>
+            <a:endCxn id="11" idx="2"/>
+          </p:cNvCxnSpPr>
+          <p:nvPr/>
+        </p:nvCxnSpPr>
+        <p:spPr>
+          <a:xfrm>
+            <a:off x="4620816" y="2208349"/>
+            <a:ext cx="1138237" cy="1059656"/>
+          </a:xfrm>
+          <a:prstGeom prst="line">
+            <a:avLst/>
+          </a:prstGeom>
+        </p:spPr>
+        <p:style>
+          <a:lnRef idx="1">
+            <a:schemeClr val="accent1"/>
+          </a:lnRef>
+          <a:fillRef idx="0">
+            <a:schemeClr val="accent1"/>
+          </a:fillRef>
+          <a:effectRef idx="0">
+            <a:schemeClr val="accent1"/>
+          </a:effectRef>
+          <a:fontRef idx="minor">
+            <a:schemeClr val="tx1"/>
+          </a:fontRef>
+        </p:style>
+      </p:cxnSp>
+      <p:cxnSp>
+        <p:nvCxnSpPr>
+          <p:cNvPr id="60" name="Straight Connector 59">
+            <a:extLst>
+              <a:ext uri="{FF2B5EF4-FFF2-40B4-BE49-F238E27FC236}">
+                <a16:creationId xmlns:a16="http://schemas.microsoft.com/office/drawing/2014/main" id="{84187220-1A38-8240-8397-4A3EA641A4CB}"/>
+              </a:ext>
+            </a:extLst>
+          </p:cNvPr>
+          <p:cNvCxnSpPr>
+            <a:cxnSpLocks/>
+          </p:cNvCxnSpPr>
+          <p:nvPr/>
+        </p:nvCxnSpPr>
+        <p:spPr>
+          <a:xfrm flipV="1">
+            <a:off x="4632721" y="3248954"/>
+            <a:ext cx="1138237" cy="1059657"/>
+          </a:xfrm>
+          <a:prstGeom prst="line">
+            <a:avLst/>
+          </a:prstGeom>
+        </p:spPr>
+        <p:style>
+          <a:lnRef idx="1">
+            <a:schemeClr val="accent1"/>
+          </a:lnRef>
+          <a:fillRef idx="0">
+            <a:schemeClr val="accent1"/>
+          </a:fillRef>
+          <a:effectRef idx="0">
+            <a:schemeClr val="accent1"/>
+          </a:effectRef>
+          <a:fontRef idx="minor">
+            <a:schemeClr val="tx1"/>
+          </a:fontRef>
+        </p:style>
+      </p:cxnSp>
+      <p:cxnSp>
+        <p:nvCxnSpPr>
+          <p:cNvPr id="61" name="Straight Connector 60">
+            <a:extLst>
+              <a:ext uri="{FF2B5EF4-FFF2-40B4-BE49-F238E27FC236}">
+                <a16:creationId xmlns:a16="http://schemas.microsoft.com/office/drawing/2014/main" id="{D3FF8409-702D-1A40-A4D9-D727E7502F63}"/>
+              </a:ext>
+            </a:extLst>
+          </p:cNvPr>
+          <p:cNvCxnSpPr>
+            <a:cxnSpLocks/>
+            <a:stCxn id="8" idx="6"/>
+            <a:endCxn id="12" idx="2"/>
+          </p:cNvCxnSpPr>
+          <p:nvPr/>
+        </p:nvCxnSpPr>
+        <p:spPr>
+          <a:xfrm>
+            <a:off x="4620816" y="3268005"/>
+            <a:ext cx="1138237" cy="1059656"/>
+          </a:xfrm>
+          <a:prstGeom prst="line">
+            <a:avLst/>
+          </a:prstGeom>
+        </p:spPr>
+        <p:style>
+          <a:lnRef idx="1">
+            <a:schemeClr val="accent1"/>
+          </a:lnRef>
+          <a:fillRef idx="0">
+            <a:schemeClr val="accent1"/>
+          </a:fillRef>
+          <a:effectRef idx="0">
+            <a:schemeClr val="accent1"/>
+          </a:effectRef>
+          <a:fontRef idx="minor">
+            <a:schemeClr val="tx1"/>
+          </a:fontRef>
+        </p:style>
+      </p:cxnSp>
+      <p:cxnSp>
+        <p:nvCxnSpPr>
+          <p:cNvPr id="64" name="Straight Connector 63">
+            <a:extLst>
+              <a:ext uri="{FF2B5EF4-FFF2-40B4-BE49-F238E27FC236}">
+                <a16:creationId xmlns:a16="http://schemas.microsoft.com/office/drawing/2014/main" id="{2E0C457A-E033-CF4D-8531-E84BB6251C5E}"/>
+              </a:ext>
+            </a:extLst>
+          </p:cNvPr>
+          <p:cNvCxnSpPr>
+            <a:cxnSpLocks/>
+            <a:stCxn id="9" idx="6"/>
+            <a:endCxn id="10" idx="2"/>
+          </p:cNvCxnSpPr>
+          <p:nvPr/>
+        </p:nvCxnSpPr>
+        <p:spPr>
+          <a:xfrm flipV="1">
+            <a:off x="4620816" y="2208348"/>
+            <a:ext cx="1138237" cy="2119314"/>
+          </a:xfrm>
+          <a:prstGeom prst="line">
+            <a:avLst/>
+          </a:prstGeom>
+        </p:spPr>
+        <p:style>
+          <a:lnRef idx="1">
+            <a:schemeClr val="accent1"/>
+          </a:lnRef>
+          <a:fillRef idx="0">
+            <a:schemeClr val="accent1"/>
+          </a:fillRef>
+          <a:effectRef idx="0">
+            <a:schemeClr val="accent1"/>
+          </a:effectRef>
+          <a:fontRef idx="minor">
+            <a:schemeClr val="tx1"/>
+          </a:fontRef>
+        </p:style>
+      </p:cxnSp>
+      <p:cxnSp>
+        <p:nvCxnSpPr>
+          <p:cNvPr id="67" name="Straight Connector 66">
+            <a:extLst>
+              <a:ext uri="{FF2B5EF4-FFF2-40B4-BE49-F238E27FC236}">
+                <a16:creationId xmlns:a16="http://schemas.microsoft.com/office/drawing/2014/main" id="{D71A281E-71C1-804A-99EF-BB99A2C8CD49}"/>
+              </a:ext>
+            </a:extLst>
+          </p:cNvPr>
+          <p:cNvCxnSpPr>
+            <a:cxnSpLocks/>
+            <a:stCxn id="10" idx="6"/>
+            <a:endCxn id="13" idx="2"/>
+          </p:cNvCxnSpPr>
+          <p:nvPr/>
+        </p:nvCxnSpPr>
+        <p:spPr>
+          <a:xfrm>
+            <a:off x="6444853" y="2208348"/>
+            <a:ext cx="1138237" cy="1059657"/>
+          </a:xfrm>
+          <a:prstGeom prst="line">
+            <a:avLst/>
+          </a:prstGeom>
+        </p:spPr>
+        <p:style>
+          <a:lnRef idx="1">
+            <a:schemeClr val="accent1"/>
+          </a:lnRef>
+          <a:fillRef idx="0">
+            <a:schemeClr val="accent1"/>
+          </a:fillRef>
+          <a:effectRef idx="0">
+            <a:schemeClr val="accent1"/>
+          </a:effectRef>
+          <a:fontRef idx="minor">
+            <a:schemeClr val="tx1"/>
+          </a:fontRef>
+        </p:style>
+      </p:cxnSp>
+      <p:cxnSp>
+        <p:nvCxnSpPr>
+          <p:cNvPr id="70" name="Straight Connector 69">
+            <a:extLst>
+              <a:ext uri="{FF2B5EF4-FFF2-40B4-BE49-F238E27FC236}">
+                <a16:creationId xmlns:a16="http://schemas.microsoft.com/office/drawing/2014/main" id="{9B800413-BCF2-F247-817A-A506B8A1B276}"/>
+              </a:ext>
+            </a:extLst>
+          </p:cNvPr>
+          <p:cNvCxnSpPr>
+            <a:cxnSpLocks/>
+            <a:stCxn id="12" idx="6"/>
+            <a:endCxn id="13" idx="2"/>
+          </p:cNvCxnSpPr>
+          <p:nvPr/>
+        </p:nvCxnSpPr>
+        <p:spPr>
+          <a:xfrm flipV="1">
+            <a:off x="6444853" y="3268005"/>
+            <a:ext cx="1138237" cy="1059656"/>
+          </a:xfrm>
+          <a:prstGeom prst="line">
+            <a:avLst/>
+          </a:prstGeom>
+          <a:ln>
+            <a:tailEnd type="none"/>
+          </a:ln>
+        </p:spPr>
+        <p:style>
+          <a:lnRef idx="1">
+            <a:schemeClr val="accent1"/>
+          </a:lnRef>
+          <a:fillRef idx="0">
+            <a:schemeClr val="accent1"/>
+          </a:fillRef>
+          <a:effectRef idx="0">
+            <a:schemeClr val="accent1"/>
+          </a:effectRef>
+          <a:fontRef idx="minor">
+            <a:schemeClr val="tx1"/>
+          </a:fontRef>
+        </p:style>
+      </p:cxnSp>
+      <p:cxnSp>
+        <p:nvCxnSpPr>
+          <p:cNvPr id="74" name="Straight Connector 73">
+            <a:extLst>
+              <a:ext uri="{FF2B5EF4-FFF2-40B4-BE49-F238E27FC236}">
+                <a16:creationId xmlns:a16="http://schemas.microsoft.com/office/drawing/2014/main" id="{F5A4ABF8-0CFB-9449-8334-5F2B6828B6DD}"/>
+              </a:ext>
+            </a:extLst>
+          </p:cNvPr>
+          <p:cNvCxnSpPr>
+            <a:cxnSpLocks/>
+          </p:cNvCxnSpPr>
+          <p:nvPr/>
+        </p:nvCxnSpPr>
+        <p:spPr>
+          <a:xfrm flipV="1">
+            <a:off x="8268890" y="3248953"/>
+            <a:ext cx="1138237" cy="1"/>
+          </a:xfrm>
+          <a:prstGeom prst="line">
+            <a:avLst/>
+          </a:prstGeom>
+          <a:ln>
+            <a:tailEnd type="triangle"/>
+          </a:ln>
+        </p:spPr>
+        <p:style>
+          <a:lnRef idx="1">
+            <a:schemeClr val="accent1"/>
+          </a:lnRef>
+          <a:fillRef idx="0">
+            <a:schemeClr val="accent1"/>
+          </a:fillRef>
+          <a:effectRef idx="0">
+            <a:schemeClr val="accent1"/>
+          </a:effectRef>
+          <a:fontRef idx="minor">
+            <a:schemeClr val="tx1"/>
+          </a:fontRef>
+        </p:style>
+      </p:cxnSp>
       <mc:AlternateContent xmlns:mc="http://schemas.openxmlformats.org/markup-compatibility/2006" xmlns:a14="http://schemas.microsoft.com/office/drawing/2010/main">
         <mc:Choice Requires="a14">
           <p:sp>
@@ -5238,7 +5094,7 @@
             </p:nvSpPr>
             <p:spPr>
               <a:xfrm>
-                <a:off x="9356015" y="4811042"/>
+                <a:off x="9356015" y="5133845"/>
                 <a:ext cx="1518236" cy="848566"/>
               </a:xfrm>
               <a:prstGeom prst="rect">
@@ -5367,7 +5223,7 @@
             </p:nvSpPr>
             <p:spPr>
               <a:xfrm>
-                <a:off x="9356015" y="4811042"/>
+                <a:off x="9356015" y="5133845"/>
                 <a:ext cx="1518236" cy="848566"/>
               </a:xfrm>
               <a:prstGeom prst="rect">
@@ -5376,7 +5232,7 @@
               <a:blipFill>
                 <a:blip r:embed="rId9"/>
                 <a:stretch>
-                  <a:fillRect l="-14167" t="-98529" b="-151471"/>
+                  <a:fillRect l="-14167" t="-98529" b="-152941"/>
                 </a:stretch>
               </a:blipFill>
             </p:spPr>
@@ -5444,7 +5300,7 @@
         </p:nvSpPr>
         <p:spPr>
           <a:xfrm>
-            <a:off x="7583090" y="5046800"/>
+            <a:off x="7583090" y="5387318"/>
             <a:ext cx="1707262" cy="369332"/>
           </a:xfrm>
           <a:prstGeom prst="rect">
@@ -5579,6 +5435,458 @@
                 <a:blip r:embed="rId10"/>
                 <a:stretch>
                   <a:fillRect b="-13333"/>
+                </a:stretch>
+              </a:blipFill>
+            </p:spPr>
+            <p:txBody>
+              <a:bodyPr/>
+              <a:lstStyle/>
+              <a:p>
+                <a:r>
+                  <a:rPr lang="en-US">
+                    <a:noFill/>
+                  </a:rPr>
+                  <a:t> </a:t>
+                </a:r>
+              </a:p>
+            </p:txBody>
+          </p:sp>
+        </mc:Fallback>
+      </mc:AlternateContent>
+      <mc:AlternateContent xmlns:mc="http://schemas.openxmlformats.org/markup-compatibility/2006">
+        <mc:Choice xmlns:a14="http://schemas.microsoft.com/office/drawing/2010/main" Requires="a14">
+          <p:sp>
+            <p:nvSpPr>
+              <p:cNvPr id="2" name="TextBox 1">
+                <a:extLst>
+                  <a:ext uri="{FF2B5EF4-FFF2-40B4-BE49-F238E27FC236}">
+                    <a16:creationId xmlns:a16="http://schemas.microsoft.com/office/drawing/2014/main" id="{C324C7E5-4209-AD48-9592-D2FBDB0FB7F7}"/>
+                  </a:ext>
+                </a:extLst>
+              </p:cNvPr>
+              <p:cNvSpPr txBox="1"/>
+              <p:nvPr/>
+            </p:nvSpPr>
+            <p:spPr>
+              <a:xfrm>
+                <a:off x="7583090" y="4744895"/>
+                <a:ext cx="2448812" cy="369332"/>
+              </a:xfrm>
+              <a:prstGeom prst="rect">
+                <a:avLst/>
+              </a:prstGeom>
+              <a:noFill/>
+            </p:spPr>
+            <p:txBody>
+              <a:bodyPr wrap="none" rtlCol="0">
+                <a:spAutoFit/>
+              </a:bodyPr>
+              <a:lstStyle/>
+              <a:p>
+                <a14:m>
+                  <m:oMath xmlns:m="http://schemas.openxmlformats.org/officeDocument/2006/math">
+                    <m:r>
+                      <a:rPr lang="en-US" i="1" smtClean="0">
+                        <a:latin typeface="Cambria Math" panose="02040503050406030204" pitchFamily="18" charset="0"/>
+                        <a:ea typeface="Cambria Math" panose="02040503050406030204" pitchFamily="18" charset="0"/>
+                      </a:rPr>
+                      <m:t>𝜃</m:t>
+                    </m:r>
+                    <m:r>
+                      <a:rPr lang="en-GB" b="0" i="1" baseline="-25000" smtClean="0">
+                        <a:latin typeface="Cambria Math" panose="02040503050406030204" pitchFamily="18" charset="0"/>
+                        <a:ea typeface="Cambria Math" panose="02040503050406030204" pitchFamily="18" charset="0"/>
+                      </a:rPr>
+                      <m:t>𝑖𝑗</m:t>
+                    </m:r>
+                    <m:r>
+                      <a:rPr lang="en-GB" b="0" i="1" smtClean="0">
+                        <a:latin typeface="Cambria Math" panose="02040503050406030204" pitchFamily="18" charset="0"/>
+                        <a:ea typeface="Cambria Math" panose="02040503050406030204" pitchFamily="18" charset="0"/>
+                      </a:rPr>
+                      <m:t>: </m:t>
+                    </m:r>
+                  </m:oMath>
+                </a14:m>
+                <a:r>
+                  <a:rPr lang="en-US" dirty="0"/>
+                  <a:t> Weight, e.g. </a:t>
+                </a:r>
+                <a14:m>
+                  <m:oMath xmlns:m="http://schemas.openxmlformats.org/officeDocument/2006/math">
+                    <m:r>
+                      <a:rPr lang="en-US" i="1">
+                        <a:latin typeface="Cambria Math" panose="02040503050406030204" pitchFamily="18" charset="0"/>
+                        <a:ea typeface="Cambria Math" panose="02040503050406030204" pitchFamily="18" charset="0"/>
+                      </a:rPr>
+                      <m:t>𝜃</m:t>
+                    </m:r>
+                    <m:r>
+                      <a:rPr lang="en-GB" b="0" i="1" baseline="-25000" smtClean="0">
+                        <a:latin typeface="Cambria Math" panose="02040503050406030204" pitchFamily="18" charset="0"/>
+                        <a:ea typeface="Cambria Math" panose="02040503050406030204" pitchFamily="18" charset="0"/>
+                      </a:rPr>
+                      <m:t>11 </m:t>
+                    </m:r>
+                    <m:r>
+                      <a:rPr lang="en-US" i="1" smtClean="0">
+                        <a:latin typeface="Cambria Math" panose="02040503050406030204" pitchFamily="18" charset="0"/>
+                        <a:ea typeface="Cambria Math" panose="02040503050406030204" pitchFamily="18" charset="0"/>
+                      </a:rPr>
+                      <m:t>𝜃</m:t>
+                    </m:r>
+                    <m:r>
+                      <a:rPr lang="en-GB" b="0" i="1" baseline="-25000" smtClean="0">
+                        <a:latin typeface="Cambria Math" panose="02040503050406030204" pitchFamily="18" charset="0"/>
+                        <a:ea typeface="Cambria Math" panose="02040503050406030204" pitchFamily="18" charset="0"/>
+                      </a:rPr>
+                      <m:t>33</m:t>
+                    </m:r>
+                  </m:oMath>
+                </a14:m>
+                <a:endParaRPr lang="en-US" baseline="-25000" dirty="0"/>
+              </a:p>
+            </p:txBody>
+          </p:sp>
+        </mc:Choice>
+        <mc:Fallback>
+          <p:sp>
+            <p:nvSpPr>
+              <p:cNvPr id="2" name="TextBox 1">
+                <a:extLst>
+                  <a:ext uri="{FF2B5EF4-FFF2-40B4-BE49-F238E27FC236}">
+                    <a16:creationId xmlns:a16="http://schemas.microsoft.com/office/drawing/2014/main" id="{C324C7E5-4209-AD48-9592-D2FBDB0FB7F7}"/>
+                  </a:ext>
+                </a:extLst>
+              </p:cNvPr>
+              <p:cNvSpPr txBox="1">
+                <a:spLocks noRot="1" noChangeAspect="1" noMove="1" noResize="1" noEditPoints="1" noAdjustHandles="1" noChangeArrowheads="1" noChangeShapeType="1" noTextEdit="1"/>
+              </p:cNvSpPr>
+              <p:nvPr/>
+            </p:nvSpPr>
+            <p:spPr>
+              <a:xfrm>
+                <a:off x="7583090" y="4744895"/>
+                <a:ext cx="2448812" cy="369332"/>
+              </a:xfrm>
+              <a:prstGeom prst="rect">
+                <a:avLst/>
+              </a:prstGeom>
+              <a:blipFill>
+                <a:blip r:embed="rId11"/>
+                <a:stretch>
+                  <a:fillRect t="-6667" b="-23333"/>
+                </a:stretch>
+              </a:blipFill>
+            </p:spPr>
+            <p:txBody>
+              <a:bodyPr/>
+              <a:lstStyle/>
+              <a:p>
+                <a:r>
+                  <a:rPr lang="en-US">
+                    <a:noFill/>
+                  </a:rPr>
+                  <a:t> </a:t>
+                </a:r>
+              </a:p>
+            </p:txBody>
+          </p:sp>
+        </mc:Fallback>
+      </mc:AlternateContent>
+      <mc:AlternateContent xmlns:mc="http://schemas.openxmlformats.org/markup-compatibility/2006">
+        <mc:Choice xmlns:a14="http://schemas.microsoft.com/office/drawing/2010/main" Requires="a14">
+          <p:sp>
+            <p:nvSpPr>
+              <p:cNvPr id="3" name="TextBox 2">
+                <a:extLst>
+                  <a:ext uri="{FF2B5EF4-FFF2-40B4-BE49-F238E27FC236}">
+                    <a16:creationId xmlns:a16="http://schemas.microsoft.com/office/drawing/2014/main" id="{174CAA8B-E1BF-3E4C-9769-EFFE898B5C3D}"/>
+                  </a:ext>
+                </a:extLst>
+              </p:cNvPr>
+              <p:cNvSpPr txBox="1"/>
+              <p:nvPr/>
+            </p:nvSpPr>
+            <p:spPr>
+              <a:xfrm>
+                <a:off x="5002286" y="4258760"/>
+                <a:ext cx="519693" cy="362984"/>
+              </a:xfrm>
+              <a:prstGeom prst="rect">
+                <a:avLst/>
+              </a:prstGeom>
+              <a:noFill/>
+            </p:spPr>
+            <p:txBody>
+              <a:bodyPr wrap="none" rtlCol="0">
+                <a:spAutoFit/>
+              </a:bodyPr>
+              <a:lstStyle/>
+              <a:p>
+                <a14:m>
+                  <m:oMathPara xmlns:m="http://schemas.openxmlformats.org/officeDocument/2006/math">
+                    <m:oMathParaPr>
+                      <m:jc m:val="centerGroup"/>
+                    </m:oMathParaPr>
+                    <m:oMath xmlns:m="http://schemas.openxmlformats.org/officeDocument/2006/math">
+                      <m:r>
+                        <a:rPr lang="en-US" i="1" smtClean="0">
+                          <a:latin typeface="Cambria Math" panose="02040503050406030204" pitchFamily="18" charset="0"/>
+                          <a:ea typeface="Cambria Math" panose="02040503050406030204" pitchFamily="18" charset="0"/>
+                        </a:rPr>
+                        <m:t>𝜃</m:t>
+                      </m:r>
+                      <m:r>
+                        <a:rPr lang="en-GB" b="0" i="1" baseline="-25000" smtClean="0">
+                          <a:latin typeface="Cambria Math" panose="02040503050406030204" pitchFamily="18" charset="0"/>
+                          <a:ea typeface="Cambria Math" panose="02040503050406030204" pitchFamily="18" charset="0"/>
+                        </a:rPr>
+                        <m:t>33</m:t>
+                      </m:r>
+                    </m:oMath>
+                  </m:oMathPara>
+                </a14:m>
+                <a:endParaRPr lang="en-US" baseline="-25000" dirty="0"/>
+              </a:p>
+            </p:txBody>
+          </p:sp>
+        </mc:Choice>
+        <mc:Fallback>
+          <p:sp>
+            <p:nvSpPr>
+              <p:cNvPr id="3" name="TextBox 2">
+                <a:extLst>
+                  <a:ext uri="{FF2B5EF4-FFF2-40B4-BE49-F238E27FC236}">
+                    <a16:creationId xmlns:a16="http://schemas.microsoft.com/office/drawing/2014/main" id="{174CAA8B-E1BF-3E4C-9769-EFFE898B5C3D}"/>
+                  </a:ext>
+                </a:extLst>
+              </p:cNvPr>
+              <p:cNvSpPr txBox="1">
+                <a:spLocks noRot="1" noChangeAspect="1" noMove="1" noResize="1" noEditPoints="1" noAdjustHandles="1" noChangeArrowheads="1" noChangeShapeType="1" noTextEdit="1"/>
+              </p:cNvSpPr>
+              <p:nvPr/>
+            </p:nvSpPr>
+            <p:spPr>
+              <a:xfrm>
+                <a:off x="5002286" y="4258760"/>
+                <a:ext cx="519693" cy="362984"/>
+              </a:xfrm>
+              <a:prstGeom prst="rect">
+                <a:avLst/>
+              </a:prstGeom>
+              <a:blipFill>
+                <a:blip r:embed="rId12"/>
+                <a:stretch>
+                  <a:fillRect/>
+                </a:stretch>
+              </a:blipFill>
+            </p:spPr>
+            <p:txBody>
+              <a:bodyPr/>
+              <a:lstStyle/>
+              <a:p>
+                <a:r>
+                  <a:rPr lang="en-US">
+                    <a:noFill/>
+                  </a:rPr>
+                  <a:t> </a:t>
+                </a:r>
+              </a:p>
+            </p:txBody>
+          </p:sp>
+        </mc:Fallback>
+      </mc:AlternateContent>
+      <mc:AlternateContent xmlns:mc="http://schemas.openxmlformats.org/markup-compatibility/2006">
+        <mc:Choice xmlns:a14="http://schemas.microsoft.com/office/drawing/2010/main" Requires="a14">
+          <p:sp>
+            <p:nvSpPr>
+              <p:cNvPr id="42" name="TextBox 41">
+                <a:extLst>
+                  <a:ext uri="{FF2B5EF4-FFF2-40B4-BE49-F238E27FC236}">
+                    <a16:creationId xmlns:a16="http://schemas.microsoft.com/office/drawing/2014/main" id="{03980BFE-FA5B-1544-A18F-CF0082B62629}"/>
+                  </a:ext>
+                </a:extLst>
+              </p:cNvPr>
+              <p:cNvSpPr txBox="1"/>
+              <p:nvPr/>
+            </p:nvSpPr>
+            <p:spPr>
+              <a:xfrm>
+                <a:off x="4985466" y="1871664"/>
+                <a:ext cx="519693" cy="362984"/>
+              </a:xfrm>
+              <a:prstGeom prst="rect">
+                <a:avLst/>
+              </a:prstGeom>
+              <a:noFill/>
+            </p:spPr>
+            <p:txBody>
+              <a:bodyPr wrap="none" rtlCol="0">
+                <a:spAutoFit/>
+              </a:bodyPr>
+              <a:lstStyle/>
+              <a:p>
+                <a14:m>
+                  <m:oMathPara xmlns:m="http://schemas.openxmlformats.org/officeDocument/2006/math">
+                    <m:oMathParaPr>
+                      <m:jc m:val="centerGroup"/>
+                    </m:oMathParaPr>
+                    <m:oMath xmlns:m="http://schemas.openxmlformats.org/officeDocument/2006/math">
+                      <m:r>
+                        <a:rPr lang="en-US" i="1" smtClean="0">
+                          <a:latin typeface="Cambria Math" panose="02040503050406030204" pitchFamily="18" charset="0"/>
+                          <a:ea typeface="Cambria Math" panose="02040503050406030204" pitchFamily="18" charset="0"/>
+                        </a:rPr>
+                        <m:t>𝜃</m:t>
+                      </m:r>
+                      <m:r>
+                        <a:rPr lang="en-GB" b="0" i="1" baseline="-25000" smtClean="0">
+                          <a:latin typeface="Cambria Math" panose="02040503050406030204" pitchFamily="18" charset="0"/>
+                          <a:ea typeface="Cambria Math" panose="02040503050406030204" pitchFamily="18" charset="0"/>
+                        </a:rPr>
+                        <m:t>11</m:t>
+                      </m:r>
+                    </m:oMath>
+                  </m:oMathPara>
+                </a14:m>
+                <a:endParaRPr lang="en-US" baseline="-25000" dirty="0"/>
+              </a:p>
+            </p:txBody>
+          </p:sp>
+        </mc:Choice>
+        <mc:Fallback>
+          <p:sp>
+            <p:nvSpPr>
+              <p:cNvPr id="42" name="TextBox 41">
+                <a:extLst>
+                  <a:ext uri="{FF2B5EF4-FFF2-40B4-BE49-F238E27FC236}">
+                    <a16:creationId xmlns:a16="http://schemas.microsoft.com/office/drawing/2014/main" id="{03980BFE-FA5B-1544-A18F-CF0082B62629}"/>
+                  </a:ext>
+                </a:extLst>
+              </p:cNvPr>
+              <p:cNvSpPr txBox="1">
+                <a:spLocks noRot="1" noChangeAspect="1" noMove="1" noResize="1" noEditPoints="1" noAdjustHandles="1" noChangeArrowheads="1" noChangeShapeType="1" noTextEdit="1"/>
+              </p:cNvSpPr>
+              <p:nvPr/>
+            </p:nvSpPr>
+            <p:spPr>
+              <a:xfrm>
+                <a:off x="4985466" y="1871664"/>
+                <a:ext cx="519693" cy="362984"/>
+              </a:xfrm>
+              <a:prstGeom prst="rect">
+                <a:avLst/>
+              </a:prstGeom>
+              <a:blipFill>
+                <a:blip r:embed="rId13"/>
+                <a:stretch>
+                  <a:fillRect/>
+                </a:stretch>
+              </a:blipFill>
+            </p:spPr>
+            <p:txBody>
+              <a:bodyPr/>
+              <a:lstStyle/>
+              <a:p>
+                <a:r>
+                  <a:rPr lang="en-US">
+                    <a:noFill/>
+                  </a:rPr>
+                  <a:t> </a:t>
+                </a:r>
+              </a:p>
+            </p:txBody>
+          </p:sp>
+        </mc:Fallback>
+      </mc:AlternateContent>
+      <mc:AlternateContent xmlns:mc="http://schemas.openxmlformats.org/markup-compatibility/2006">
+        <mc:Choice xmlns:a14="http://schemas.microsoft.com/office/drawing/2010/main" Requires="a14">
+          <p:sp>
+            <p:nvSpPr>
+              <p:cNvPr id="5" name="TextBox 4">
+                <a:extLst>
+                  <a:ext uri="{FF2B5EF4-FFF2-40B4-BE49-F238E27FC236}">
+                    <a16:creationId xmlns:a16="http://schemas.microsoft.com/office/drawing/2014/main" id="{7681C106-1777-7E42-99C1-9B7F5571BA45}"/>
+                  </a:ext>
+                </a:extLst>
+              </p:cNvPr>
+              <p:cNvSpPr txBox="1"/>
+              <p:nvPr/>
+            </p:nvSpPr>
+            <p:spPr>
+              <a:xfrm>
+                <a:off x="7583090" y="4178754"/>
+                <a:ext cx="1027141" cy="369332"/>
+              </a:xfrm>
+              <a:prstGeom prst="rect">
+                <a:avLst/>
+              </a:prstGeom>
+              <a:noFill/>
+            </p:spPr>
+            <p:txBody>
+              <a:bodyPr wrap="none" rtlCol="0">
+                <a:spAutoFit/>
+              </a:bodyPr>
+              <a:lstStyle/>
+              <a:p>
+                <a14:m>
+                  <m:oMath xmlns:m="http://schemas.openxmlformats.org/officeDocument/2006/math">
+                    <m:r>
+                      <a:rPr lang="en-GB" b="0" i="1" smtClean="0">
+                        <a:latin typeface="Cambria Math" panose="02040503050406030204" pitchFamily="18" charset="0"/>
+                      </a:rPr>
+                      <m:t>𝑥</m:t>
+                    </m:r>
+                    <m:r>
+                      <a:rPr lang="en-GB" b="0" i="1" baseline="-25000" smtClean="0">
+                        <a:latin typeface="Cambria Math" panose="02040503050406030204" pitchFamily="18" charset="0"/>
+                      </a:rPr>
+                      <m:t>𝑖</m:t>
+                    </m:r>
+                    <m:r>
+                      <a:rPr lang="en-GB" b="0" i="1" smtClean="0">
+                        <a:latin typeface="Cambria Math" panose="02040503050406030204" pitchFamily="18" charset="0"/>
+                      </a:rPr>
+                      <m:t>:  </m:t>
+                    </m:r>
+                  </m:oMath>
+                </a14:m>
+                <a:r>
+                  <a:rPr lang="en-US" dirty="0"/>
+                  <a:t>Input</a:t>
+                </a:r>
+              </a:p>
+            </p:txBody>
+          </p:sp>
+        </mc:Choice>
+        <mc:Fallback>
+          <p:sp>
+            <p:nvSpPr>
+              <p:cNvPr id="5" name="TextBox 4">
+                <a:extLst>
+                  <a:ext uri="{FF2B5EF4-FFF2-40B4-BE49-F238E27FC236}">
+                    <a16:creationId xmlns:a16="http://schemas.microsoft.com/office/drawing/2014/main" id="{7681C106-1777-7E42-99C1-9B7F5571BA45}"/>
+                  </a:ext>
+                </a:extLst>
+              </p:cNvPr>
+              <p:cNvSpPr txBox="1">
+                <a:spLocks noRot="1" noChangeAspect="1" noMove="1" noResize="1" noEditPoints="1" noAdjustHandles="1" noChangeArrowheads="1" noChangeShapeType="1" noTextEdit="1"/>
+              </p:cNvSpPr>
+              <p:nvPr/>
+            </p:nvSpPr>
+            <p:spPr>
+              <a:xfrm>
+                <a:off x="7583090" y="4178754"/>
+                <a:ext cx="1027141" cy="369332"/>
+              </a:xfrm>
+              <a:prstGeom prst="rect">
+                <a:avLst/>
+              </a:prstGeom>
+              <a:blipFill>
+                <a:blip r:embed="rId14"/>
+                <a:stretch>
+                  <a:fillRect t="-6667" r="-3659" b="-23333"/>
                 </a:stretch>
               </a:blipFill>
             </p:spPr>
